--- a/Troubleshooting Chip Failures with Hybrid Classification System_with MLP slide added.pptx
+++ b/Troubleshooting Chip Failures with Hybrid Classification System_with MLP slide added.pptx
@@ -13,8 +13,8 @@
     <p:sldId id="261" r:id="rId7"/>
     <p:sldId id="271" r:id="rId8"/>
     <p:sldId id="262" r:id="rId9"/>
-    <p:sldId id="275" r:id="rId10"/>
-    <p:sldId id="276" r:id="rId11"/>
+    <p:sldId id="278" r:id="rId10"/>
+    <p:sldId id="279" r:id="rId11"/>
     <p:sldId id="264" r:id="rId12"/>
     <p:sldId id="265" r:id="rId13"/>
     <p:sldId id="274" r:id="rId14"/>
@@ -3592,13 +3592,6 @@
   <p:clrMapOvr>
     <a:masterClrMapping/>
   </p:clrMapOvr>
-  <p:timing>
-    <p:tnLst>
-      <p:par>
-        <p:cTn id="1" dur="indefinite" restart="never" nodeType="tmRoot"/>
-      </p:par>
-    </p:tnLst>
-  </p:timing>
 </p:sld>
 </file>
 
@@ -3781,8 +3774,8 @@
         </p:nvSpPr>
         <p:spPr bwMode="auto">
           <a:xfrm>
-            <a:off x="308981" y="1788427"/>
-            <a:ext cx="5372099" cy="4708981"/>
+            <a:off x="308981" y="1708312"/>
+            <a:ext cx="6345819" cy="5078313"/>
           </a:xfrm>
           <a:prstGeom prst="rect">
             <a:avLst/>
@@ -3941,17 +3934,13 @@
               <a:buNone/>
             </a:pPr>
             <a:r>
-              <a:rPr kumimoji="0" lang="en-US" altLang="en-US" sz="1200" b="0" i="0" u="sng" strike="noStrike" cap="none" normalizeH="0" baseline="0" dirty="0">
-                <a:ln>
-                  <a:noFill/>
-                </a:ln>
-                <a:solidFill>
-                  <a:schemeClr val="bg1"/>
-                </a:solidFill>
-                <a:effectLst/>
-                <a:latin typeface="Helvetica" panose="020B0604020202020204" pitchFamily="34" charset="0"/>
-              </a:rPr>
-              <a:t>Bayesian Hyperparameters Optimization</a:t>
+              <a:rPr lang="en-US" altLang="en-US" sz="1200" dirty="0">
+                <a:solidFill>
+                  <a:schemeClr val="bg1"/>
+                </a:solidFill>
+                <a:latin typeface="Helvetica" panose="020B0604020202020204" pitchFamily="34" charset="0"/>
+              </a:rPr>
+              <a:t>Performance - Multi-labels Confusion Matrices </a:t>
             </a:r>
           </a:p>
           <a:p>
@@ -3975,234 +3964,12 @@
               </a:lnSpc>
               <a:buNone/>
             </a:pPr>
-            <a:r>
-              <a:rPr kumimoji="0" lang="en-US" altLang="en-US" sz="1200" b="0" i="0" u="none" strike="noStrike" cap="none" normalizeH="0" baseline="0" dirty="0">
-                <a:ln>
-                  <a:noFill/>
-                </a:ln>
-                <a:solidFill>
-                  <a:schemeClr val="bg1"/>
-                </a:solidFill>
-                <a:effectLst/>
-                <a:latin typeface="Helvetica" panose="020B0604020202020204" pitchFamily="34" charset="0"/>
-              </a:rPr>
-              <a:t>For MLP, we are tuning seven parameters:</a:t>
-            </a:r>
-          </a:p>
-          <a:p>
-            <a:pPr marL="342900" lvl="0" indent="-342900">
-              <a:lnSpc>
-                <a:spcPct val="100000"/>
-              </a:lnSpc>
-              <a:buFont typeface="+mj-lt"/>
-              <a:buAutoNum type="arabicPeriod"/>
-            </a:pPr>
-            <a:r>
-              <a:rPr lang="en-US" altLang="en-US" sz="1200" dirty="0">
-                <a:solidFill>
-                  <a:schemeClr val="bg1"/>
-                </a:solidFill>
-                <a:latin typeface="Helvetica" panose="020B0604020202020204" pitchFamily="34" charset="0"/>
-              </a:rPr>
-              <a:t>Activation function for the hidden layer (Activation)</a:t>
-            </a:r>
-          </a:p>
-          <a:p>
-            <a:pPr marL="342900" lvl="0" indent="-342900">
-              <a:lnSpc>
-                <a:spcPct val="100000"/>
-              </a:lnSpc>
-              <a:buFont typeface="+mj-lt"/>
-              <a:buAutoNum type="arabicPeriod"/>
-            </a:pPr>
-            <a:r>
-              <a:rPr lang="en-US" altLang="en-US" sz="1200" dirty="0">
-                <a:solidFill>
-                  <a:schemeClr val="bg1"/>
-                </a:solidFill>
-                <a:latin typeface="Helvetica" panose="020B0604020202020204" pitchFamily="34" charset="0"/>
-              </a:rPr>
-              <a:t>L2 penalty (Alpha)</a:t>
-            </a:r>
-          </a:p>
-          <a:p>
-            <a:pPr marL="342900" lvl="0" indent="-342900">
-              <a:lnSpc>
-                <a:spcPct val="100000"/>
-              </a:lnSpc>
-              <a:buFont typeface="+mj-lt"/>
-              <a:buAutoNum type="arabicPeriod"/>
-            </a:pPr>
-            <a:r>
-              <a:rPr lang="en-US" altLang="en-US" sz="1200" dirty="0">
-                <a:solidFill>
-                  <a:schemeClr val="bg1"/>
-                </a:solidFill>
-                <a:latin typeface="Helvetica" panose="020B0604020202020204" pitchFamily="34" charset="0"/>
-              </a:rPr>
-              <a:t>Number of neurons in the 1</a:t>
-            </a:r>
-            <a:r>
-              <a:rPr lang="en-US" altLang="en-US" sz="1200" baseline="30000" dirty="0">
-                <a:solidFill>
-                  <a:schemeClr val="bg1"/>
-                </a:solidFill>
-                <a:latin typeface="Helvetica" panose="020B0604020202020204" pitchFamily="34" charset="0"/>
-              </a:rPr>
-              <a:t>st</a:t>
-            </a:r>
-            <a:r>
-              <a:rPr lang="en-US" altLang="en-US" sz="1200" dirty="0">
-                <a:solidFill>
-                  <a:schemeClr val="bg1"/>
-                </a:solidFill>
-                <a:latin typeface="Helvetica" panose="020B0604020202020204" pitchFamily="34" charset="0"/>
-              </a:rPr>
-              <a:t> hidden layer (Neurons)</a:t>
-            </a:r>
-          </a:p>
-          <a:p>
-            <a:pPr marL="342900" lvl="0" indent="-342900">
-              <a:lnSpc>
-                <a:spcPct val="100000"/>
-              </a:lnSpc>
-              <a:buFont typeface="+mj-lt"/>
-              <a:buAutoNum type="arabicPeriod"/>
-            </a:pPr>
-            <a:r>
-              <a:rPr lang="en-US" altLang="en-US" sz="1200" dirty="0">
-                <a:solidFill>
-                  <a:schemeClr val="bg1"/>
-                </a:solidFill>
-                <a:latin typeface="Helvetica" panose="020B0604020202020204" pitchFamily="34" charset="0"/>
-              </a:rPr>
-              <a:t>Learning rate schedule for weight updates (Learning rate)</a:t>
-            </a:r>
-          </a:p>
-          <a:p>
-            <a:pPr marL="342900" lvl="0" indent="-342900">
-              <a:lnSpc>
-                <a:spcPct val="100000"/>
-              </a:lnSpc>
-              <a:buFont typeface="+mj-lt"/>
-              <a:buAutoNum type="arabicPeriod"/>
-            </a:pPr>
-            <a:r>
-              <a:rPr lang="en-US" altLang="en-US" sz="1200" dirty="0">
-                <a:solidFill>
-                  <a:schemeClr val="bg1"/>
-                </a:solidFill>
-                <a:latin typeface="Helvetica" panose="020B0604020202020204" pitchFamily="34" charset="0"/>
-              </a:rPr>
-              <a:t>Initial learning rate (Initial)</a:t>
-            </a:r>
-          </a:p>
-          <a:p>
-            <a:pPr marL="342900" lvl="0" indent="-342900">
-              <a:lnSpc>
-                <a:spcPct val="100000"/>
-              </a:lnSpc>
-              <a:buFont typeface="+mj-lt"/>
-              <a:buAutoNum type="arabicPeriod"/>
-            </a:pPr>
-            <a:r>
-              <a:rPr lang="en-US" altLang="en-US" sz="1200" dirty="0">
-                <a:solidFill>
-                  <a:schemeClr val="bg1"/>
-                </a:solidFill>
-                <a:latin typeface="Helvetica" panose="020B0604020202020204" pitchFamily="34" charset="0"/>
-              </a:rPr>
-              <a:t>Exponent for inverse scaling learning rate (Exponent)</a:t>
-            </a:r>
-          </a:p>
-          <a:p>
-            <a:pPr marL="342900" lvl="0" indent="-342900">
-              <a:lnSpc>
-                <a:spcPct val="100000"/>
-              </a:lnSpc>
-              <a:buFont typeface="+mj-lt"/>
-              <a:buAutoNum type="arabicPeriod"/>
-            </a:pPr>
-            <a:r>
-              <a:rPr lang="en-US" altLang="en-US" sz="1200" dirty="0">
-                <a:solidFill>
-                  <a:schemeClr val="bg1"/>
-                </a:solidFill>
-                <a:latin typeface="Helvetica" panose="020B0604020202020204" pitchFamily="34" charset="0"/>
-              </a:rPr>
-              <a:t>Solver for weight optimization (Solver)</a:t>
-            </a:r>
-          </a:p>
-          <a:p>
-            <a:pPr marL="342900" lvl="0" indent="-342900">
-              <a:lnSpc>
-                <a:spcPct val="100000"/>
-              </a:lnSpc>
-              <a:buFont typeface="+mj-lt"/>
-              <a:buAutoNum type="arabicPeriod"/>
-            </a:pPr>
             <a:endParaRPr lang="en-US" altLang="en-US" sz="1200" dirty="0">
               <a:solidFill>
                 <a:schemeClr val="bg1"/>
               </a:solidFill>
               <a:latin typeface="Helvetica" panose="020B0604020202020204" pitchFamily="34" charset="0"/>
             </a:endParaRPr>
-          </a:p>
-          <a:p>
-            <a:pPr marL="0" lvl="0" indent="0">
-              <a:lnSpc>
-                <a:spcPct val="100000"/>
-              </a:lnSpc>
-              <a:buNone/>
-            </a:pPr>
-            <a:r>
-              <a:rPr kumimoji="0" lang="en-US" altLang="en-US" sz="1200" b="0" i="0" u="none" strike="noStrike" cap="none" normalizeH="0" baseline="0" dirty="0">
-                <a:ln>
-                  <a:noFill/>
-                </a:ln>
-                <a:solidFill>
-                  <a:schemeClr val="bg1"/>
-                </a:solidFill>
-                <a:effectLst/>
-                <a:latin typeface="Helvetica" panose="020B0604020202020204" pitchFamily="34" charset="0"/>
-              </a:rPr>
-              <a:t>We used an informed search technique to search through the state space of these seven parameters. This technique utilizes a Bayesian approach of progressively updating its beliefs on the best hyperparameter combination. We implemented the technique using the </a:t>
-            </a:r>
-            <a:r>
-              <a:rPr lang="en-US" altLang="en-US" sz="1200" dirty="0" err="1">
-                <a:solidFill>
-                  <a:schemeClr val="bg1"/>
-                </a:solidFill>
-                <a:latin typeface="Helvetica" panose="020B0604020202020204" pitchFamily="34" charset="0"/>
-              </a:rPr>
-              <a:t>H</a:t>
-            </a:r>
-            <a:r>
-              <a:rPr kumimoji="0" lang="en-US" altLang="en-US" sz="1200" b="0" i="0" u="none" strike="noStrike" cap="none" normalizeH="0" baseline="0" dirty="0" err="1">
-                <a:ln>
-                  <a:noFill/>
-                </a:ln>
-                <a:solidFill>
-                  <a:schemeClr val="bg1"/>
-                </a:solidFill>
-                <a:effectLst/>
-                <a:latin typeface="Helvetica" panose="020B0604020202020204" pitchFamily="34" charset="0"/>
-              </a:rPr>
-              <a:t>yperopt</a:t>
-            </a:r>
-            <a:r>
-              <a:rPr kumimoji="0" lang="en-US" altLang="en-US" sz="1200" b="0" i="0" u="none" strike="noStrike" cap="none" normalizeH="0" baseline="0" dirty="0">
-                <a:ln>
-                  <a:noFill/>
-                </a:ln>
-                <a:solidFill>
-                  <a:schemeClr val="bg1"/>
-                </a:solidFill>
-                <a:effectLst/>
-                <a:latin typeface="Helvetica" panose="020B0604020202020204" pitchFamily="34" charset="0"/>
-              </a:rPr>
-              <a:t> package.</a:t>
-            </a:r>
           </a:p>
           <a:p>
             <a:pPr marL="0" lvl="0" indent="0">
@@ -4225,222 +3992,6 @@
               </a:lnSpc>
               <a:buNone/>
             </a:pPr>
-            <a:r>
-              <a:rPr lang="en-US" altLang="en-US" sz="1200" dirty="0">
-                <a:solidFill>
-                  <a:schemeClr val="bg1"/>
-                </a:solidFill>
-                <a:latin typeface="Helvetica" panose="020B0604020202020204" pitchFamily="34" charset="0"/>
-              </a:rPr>
-              <a:t>The state space for each of the seven parameter:</a:t>
-            </a:r>
-          </a:p>
-          <a:p>
-            <a:pPr marL="342900" lvl="0" indent="-342900">
-              <a:lnSpc>
-                <a:spcPct val="100000"/>
-              </a:lnSpc>
-              <a:buFont typeface="+mj-lt"/>
-              <a:buAutoNum type="arabicPeriod"/>
-            </a:pPr>
-            <a:r>
-              <a:rPr lang="en-US" altLang="en-US" sz="1200" dirty="0">
-                <a:solidFill>
-                  <a:schemeClr val="bg1"/>
-                </a:solidFill>
-                <a:latin typeface="Helvetica" panose="020B0604020202020204" pitchFamily="34" charset="0"/>
-              </a:rPr>
-              <a:t>Activation: logistic, tanh, </a:t>
-            </a:r>
-            <a:r>
-              <a:rPr lang="en-US" altLang="en-US" sz="1200" dirty="0" err="1">
-                <a:solidFill>
-                  <a:schemeClr val="bg1"/>
-                </a:solidFill>
-                <a:latin typeface="Helvetica" panose="020B0604020202020204" pitchFamily="34" charset="0"/>
-              </a:rPr>
-              <a:t>relu</a:t>
-            </a:r>
-            <a:r>
-              <a:rPr lang="en-US" altLang="en-US" sz="1200" dirty="0">
-                <a:solidFill>
-                  <a:schemeClr val="bg1"/>
-                </a:solidFill>
-                <a:latin typeface="Helvetica" panose="020B0604020202020204" pitchFamily="34" charset="0"/>
-              </a:rPr>
-              <a:t>, identity</a:t>
-            </a:r>
-          </a:p>
-          <a:p>
-            <a:pPr marL="342900" lvl="0" indent="-342900">
-              <a:lnSpc>
-                <a:spcPct val="100000"/>
-              </a:lnSpc>
-              <a:buFont typeface="+mj-lt"/>
-              <a:buAutoNum type="arabicPeriod"/>
-            </a:pPr>
-            <a:r>
-              <a:rPr lang="en-US" altLang="en-US" sz="1200" dirty="0">
-                <a:solidFill>
-                  <a:schemeClr val="bg1"/>
-                </a:solidFill>
-                <a:latin typeface="Helvetica" panose="020B0604020202020204" pitchFamily="34" charset="0"/>
-              </a:rPr>
-              <a:t>Alpha: float between 0.001 to 1000</a:t>
-            </a:r>
-          </a:p>
-          <a:p>
-            <a:pPr marL="342900" lvl="0" indent="-342900">
-              <a:lnSpc>
-                <a:spcPct val="100000"/>
-              </a:lnSpc>
-              <a:buFont typeface="+mj-lt"/>
-              <a:buAutoNum type="arabicPeriod"/>
-            </a:pPr>
-            <a:r>
-              <a:rPr lang="en-US" altLang="en-US" sz="1200" dirty="0">
-                <a:solidFill>
-                  <a:schemeClr val="bg1"/>
-                </a:solidFill>
-                <a:latin typeface="Helvetica" panose="020B0604020202020204" pitchFamily="34" charset="0"/>
-              </a:rPr>
-              <a:t>Neurons: integer between 1 to 55 (i.e., number of features)</a:t>
-            </a:r>
-          </a:p>
-          <a:p>
-            <a:pPr marL="342900" lvl="0" indent="-342900">
-              <a:lnSpc>
-                <a:spcPct val="100000"/>
-              </a:lnSpc>
-              <a:buFont typeface="+mj-lt"/>
-              <a:buAutoNum type="arabicPeriod"/>
-            </a:pPr>
-            <a:r>
-              <a:rPr lang="en-US" altLang="en-US" sz="1200" dirty="0">
-                <a:solidFill>
-                  <a:schemeClr val="bg1"/>
-                </a:solidFill>
-                <a:latin typeface="Helvetica" panose="020B0604020202020204" pitchFamily="34" charset="0"/>
-              </a:rPr>
-              <a:t>Learning rate: constant, </a:t>
-            </a:r>
-            <a:r>
-              <a:rPr lang="en-US" altLang="en-US" sz="1200" dirty="0" err="1">
-                <a:solidFill>
-                  <a:schemeClr val="bg1"/>
-                </a:solidFill>
-                <a:latin typeface="Helvetica" panose="020B0604020202020204" pitchFamily="34" charset="0"/>
-              </a:rPr>
-              <a:t>invscaling</a:t>
-            </a:r>
-            <a:r>
-              <a:rPr lang="en-US" altLang="en-US" sz="1200" dirty="0">
-                <a:solidFill>
-                  <a:schemeClr val="bg1"/>
-                </a:solidFill>
-                <a:latin typeface="Helvetica" panose="020B0604020202020204" pitchFamily="34" charset="0"/>
-              </a:rPr>
-              <a:t>, adaptive</a:t>
-            </a:r>
-          </a:p>
-          <a:p>
-            <a:pPr marL="342900" lvl="0" indent="-342900">
-              <a:lnSpc>
-                <a:spcPct val="100000"/>
-              </a:lnSpc>
-              <a:buFont typeface="+mj-lt"/>
-              <a:buAutoNum type="arabicPeriod"/>
-            </a:pPr>
-            <a:r>
-              <a:rPr lang="en-US" altLang="en-US" sz="1200" dirty="0">
-                <a:solidFill>
-                  <a:schemeClr val="bg1"/>
-                </a:solidFill>
-                <a:latin typeface="Helvetica" panose="020B0604020202020204" pitchFamily="34" charset="0"/>
-              </a:rPr>
-              <a:t>Initial: float between 0.001 to 0.99</a:t>
-            </a:r>
-          </a:p>
-          <a:p>
-            <a:pPr marL="342900" lvl="0" indent="-342900">
-              <a:lnSpc>
-                <a:spcPct val="100000"/>
-              </a:lnSpc>
-              <a:buFont typeface="+mj-lt"/>
-              <a:buAutoNum type="arabicPeriod"/>
-            </a:pPr>
-            <a:r>
-              <a:rPr lang="en-US" altLang="en-US" sz="1200" dirty="0">
-                <a:solidFill>
-                  <a:schemeClr val="bg1"/>
-                </a:solidFill>
-                <a:latin typeface="Helvetica" panose="020B0604020202020204" pitchFamily="34" charset="0"/>
-              </a:rPr>
-              <a:t>Exponent: float between 0.01 to 0.99</a:t>
-            </a:r>
-          </a:p>
-          <a:p>
-            <a:pPr marL="342900" lvl="0" indent="-342900">
-              <a:lnSpc>
-                <a:spcPct val="100000"/>
-              </a:lnSpc>
-              <a:buFont typeface="+mj-lt"/>
-              <a:buAutoNum type="arabicPeriod"/>
-            </a:pPr>
-            <a:r>
-              <a:rPr lang="en-US" altLang="en-US" sz="1200" dirty="0">
-                <a:solidFill>
-                  <a:schemeClr val="bg1"/>
-                </a:solidFill>
-                <a:latin typeface="Helvetica" panose="020B0604020202020204" pitchFamily="34" charset="0"/>
-              </a:rPr>
-              <a:t>Solver: </a:t>
-            </a:r>
-            <a:r>
-              <a:rPr lang="en-US" altLang="en-US" sz="1200" dirty="0" err="1">
-                <a:solidFill>
-                  <a:schemeClr val="bg1"/>
-                </a:solidFill>
-                <a:latin typeface="Helvetica" panose="020B0604020202020204" pitchFamily="34" charset="0"/>
-              </a:rPr>
-              <a:t>lbfgs</a:t>
-            </a:r>
-            <a:r>
-              <a:rPr lang="en-US" altLang="en-US" sz="1200" dirty="0">
-                <a:solidFill>
-                  <a:schemeClr val="bg1"/>
-                </a:solidFill>
-                <a:latin typeface="Helvetica" panose="020B0604020202020204" pitchFamily="34" charset="0"/>
-              </a:rPr>
-              <a:t>, </a:t>
-            </a:r>
-            <a:r>
-              <a:rPr lang="en-US" altLang="en-US" sz="1200" dirty="0" err="1">
-                <a:solidFill>
-                  <a:schemeClr val="bg1"/>
-                </a:solidFill>
-                <a:latin typeface="Helvetica" panose="020B0604020202020204" pitchFamily="34" charset="0"/>
-              </a:rPr>
-              <a:t>sgd</a:t>
-            </a:r>
-            <a:r>
-              <a:rPr lang="en-US" altLang="en-US" sz="1200" dirty="0">
-                <a:solidFill>
-                  <a:schemeClr val="bg1"/>
-                </a:solidFill>
-                <a:latin typeface="Helvetica" panose="020B0604020202020204" pitchFamily="34" charset="0"/>
-              </a:rPr>
-              <a:t>, </a:t>
-            </a:r>
-            <a:r>
-              <a:rPr lang="en-US" altLang="en-US" sz="1200" dirty="0" err="1">
-                <a:solidFill>
-                  <a:schemeClr val="bg1"/>
-                </a:solidFill>
-                <a:latin typeface="Helvetica" panose="020B0604020202020204" pitchFamily="34" charset="0"/>
-              </a:rPr>
-              <a:t>adam</a:t>
-            </a:r>
             <a:endParaRPr lang="en-US" altLang="en-US" sz="1200" dirty="0">
               <a:solidFill>
                 <a:schemeClr val="bg1"/>
@@ -4462,6 +4013,303 @@
               <a:latin typeface="Helvetica" panose="020B0604020202020204" pitchFamily="34" charset="0"/>
             </a:endParaRPr>
           </a:p>
+          <a:p>
+            <a:pPr marL="0" lvl="0" indent="0">
+              <a:lnSpc>
+                <a:spcPct val="100000"/>
+              </a:lnSpc>
+              <a:buNone/>
+            </a:pPr>
+            <a:endParaRPr lang="en-US" altLang="en-US" sz="1200" dirty="0">
+              <a:solidFill>
+                <a:schemeClr val="bg1"/>
+              </a:solidFill>
+              <a:latin typeface="Helvetica" panose="020B0604020202020204" pitchFamily="34" charset="0"/>
+            </a:endParaRPr>
+          </a:p>
+          <a:p>
+            <a:pPr marL="0" lvl="0" indent="0">
+              <a:lnSpc>
+                <a:spcPct val="100000"/>
+              </a:lnSpc>
+              <a:buNone/>
+            </a:pPr>
+            <a:endParaRPr lang="en-US" altLang="en-US" sz="1200" dirty="0">
+              <a:solidFill>
+                <a:schemeClr val="bg1"/>
+              </a:solidFill>
+              <a:latin typeface="Helvetica" panose="020B0604020202020204" pitchFamily="34" charset="0"/>
+            </a:endParaRPr>
+          </a:p>
+          <a:p>
+            <a:pPr marL="0" lvl="0" indent="0">
+              <a:lnSpc>
+                <a:spcPct val="100000"/>
+              </a:lnSpc>
+              <a:buNone/>
+            </a:pPr>
+            <a:endParaRPr lang="en-US" altLang="en-US" sz="1200" dirty="0">
+              <a:solidFill>
+                <a:schemeClr val="bg1"/>
+              </a:solidFill>
+              <a:latin typeface="Helvetica" panose="020B0604020202020204" pitchFamily="34" charset="0"/>
+            </a:endParaRPr>
+          </a:p>
+          <a:p>
+            <a:pPr marL="0" lvl="0" indent="0">
+              <a:lnSpc>
+                <a:spcPct val="100000"/>
+              </a:lnSpc>
+              <a:buNone/>
+            </a:pPr>
+            <a:endParaRPr lang="en-US" altLang="en-US" sz="1200" dirty="0">
+              <a:solidFill>
+                <a:schemeClr val="bg1"/>
+              </a:solidFill>
+              <a:latin typeface="Helvetica" panose="020B0604020202020204" pitchFamily="34" charset="0"/>
+            </a:endParaRPr>
+          </a:p>
+          <a:p>
+            <a:pPr marL="0" lvl="0" indent="0">
+              <a:lnSpc>
+                <a:spcPct val="100000"/>
+              </a:lnSpc>
+              <a:buNone/>
+            </a:pPr>
+            <a:endParaRPr lang="en-US" altLang="en-US" sz="1200" dirty="0">
+              <a:solidFill>
+                <a:schemeClr val="bg1"/>
+              </a:solidFill>
+              <a:latin typeface="Helvetica" panose="020B0604020202020204" pitchFamily="34" charset="0"/>
+            </a:endParaRPr>
+          </a:p>
+          <a:p>
+            <a:pPr marL="0" lvl="0" indent="0">
+              <a:lnSpc>
+                <a:spcPct val="100000"/>
+              </a:lnSpc>
+              <a:buNone/>
+            </a:pPr>
+            <a:r>
+              <a:rPr lang="en-US" altLang="en-US" sz="1200" dirty="0">
+                <a:solidFill>
+                  <a:schemeClr val="bg1"/>
+                </a:solidFill>
+                <a:latin typeface="Helvetica" panose="020B0604020202020204" pitchFamily="34" charset="0"/>
+              </a:rPr>
+              <a:t>Performance – Classification Report </a:t>
+            </a:r>
+          </a:p>
+          <a:p>
+            <a:pPr marL="0" lvl="0" indent="0">
+              <a:lnSpc>
+                <a:spcPct val="100000"/>
+              </a:lnSpc>
+              <a:buNone/>
+            </a:pPr>
+            <a:endParaRPr lang="en-US" altLang="en-US" sz="1200" dirty="0">
+              <a:solidFill>
+                <a:schemeClr val="bg1"/>
+              </a:solidFill>
+              <a:latin typeface="Helvetica" panose="020B0604020202020204" pitchFamily="34" charset="0"/>
+            </a:endParaRPr>
+          </a:p>
+          <a:p>
+            <a:pPr marL="0" lvl="0" indent="0">
+              <a:lnSpc>
+                <a:spcPct val="100000"/>
+              </a:lnSpc>
+              <a:buNone/>
+            </a:pPr>
+            <a:endParaRPr lang="en-US" altLang="en-US" sz="1200" dirty="0">
+              <a:solidFill>
+                <a:schemeClr val="bg1"/>
+              </a:solidFill>
+              <a:latin typeface="Helvetica" panose="020B0604020202020204" pitchFamily="34" charset="0"/>
+            </a:endParaRPr>
+          </a:p>
+          <a:p>
+            <a:pPr marL="0" lvl="0" indent="0">
+              <a:lnSpc>
+                <a:spcPct val="100000"/>
+              </a:lnSpc>
+              <a:buNone/>
+            </a:pPr>
+            <a:endParaRPr lang="en-US" altLang="en-US" sz="1200" dirty="0">
+              <a:solidFill>
+                <a:schemeClr val="bg1"/>
+              </a:solidFill>
+              <a:latin typeface="Helvetica" panose="020B0604020202020204" pitchFamily="34" charset="0"/>
+            </a:endParaRPr>
+          </a:p>
+          <a:p>
+            <a:pPr marL="0" lvl="0" indent="0">
+              <a:lnSpc>
+                <a:spcPct val="100000"/>
+              </a:lnSpc>
+              <a:buNone/>
+            </a:pPr>
+            <a:endParaRPr lang="en-US" altLang="en-US" sz="1200" dirty="0">
+              <a:solidFill>
+                <a:schemeClr val="bg1"/>
+              </a:solidFill>
+              <a:latin typeface="Helvetica" panose="020B0604020202020204" pitchFamily="34" charset="0"/>
+            </a:endParaRPr>
+          </a:p>
+          <a:p>
+            <a:pPr marL="0" lvl="0" indent="0">
+              <a:lnSpc>
+                <a:spcPct val="100000"/>
+              </a:lnSpc>
+              <a:buNone/>
+            </a:pPr>
+            <a:endParaRPr lang="en-US" altLang="en-US" sz="1200" dirty="0">
+              <a:solidFill>
+                <a:schemeClr val="bg1"/>
+              </a:solidFill>
+              <a:latin typeface="Helvetica" panose="020B0604020202020204" pitchFamily="34" charset="0"/>
+            </a:endParaRPr>
+          </a:p>
+          <a:p>
+            <a:pPr marL="0" lvl="0" indent="0">
+              <a:lnSpc>
+                <a:spcPct val="100000"/>
+              </a:lnSpc>
+              <a:buNone/>
+            </a:pPr>
+            <a:endParaRPr lang="en-US" altLang="en-US" sz="1200" dirty="0">
+              <a:solidFill>
+                <a:schemeClr val="bg1"/>
+              </a:solidFill>
+              <a:latin typeface="Helvetica" panose="020B0604020202020204" pitchFamily="34" charset="0"/>
+            </a:endParaRPr>
+          </a:p>
+          <a:p>
+            <a:pPr marL="0" lvl="0" indent="0">
+              <a:lnSpc>
+                <a:spcPct val="100000"/>
+              </a:lnSpc>
+              <a:buNone/>
+            </a:pPr>
+            <a:endParaRPr lang="en-US" altLang="en-US" sz="1200" dirty="0">
+              <a:solidFill>
+                <a:schemeClr val="bg1"/>
+              </a:solidFill>
+              <a:latin typeface="Helvetica" panose="020B0604020202020204" pitchFamily="34" charset="0"/>
+            </a:endParaRPr>
+          </a:p>
+          <a:p>
+            <a:pPr marL="0" lvl="0" indent="0">
+              <a:lnSpc>
+                <a:spcPct val="100000"/>
+              </a:lnSpc>
+              <a:buNone/>
+            </a:pPr>
+            <a:endParaRPr lang="en-US" altLang="en-US" sz="1200" dirty="0">
+              <a:solidFill>
+                <a:schemeClr val="bg1"/>
+              </a:solidFill>
+              <a:latin typeface="Helvetica" panose="020B0604020202020204" pitchFamily="34" charset="0"/>
+            </a:endParaRPr>
+          </a:p>
+          <a:p>
+            <a:pPr marL="0" lvl="0" indent="0">
+              <a:lnSpc>
+                <a:spcPct val="100000"/>
+              </a:lnSpc>
+              <a:buNone/>
+            </a:pPr>
+            <a:endParaRPr lang="en-US" altLang="en-US" sz="1200" dirty="0">
+              <a:solidFill>
+                <a:schemeClr val="bg1"/>
+              </a:solidFill>
+              <a:latin typeface="Helvetica" panose="020B0604020202020204" pitchFamily="34" charset="0"/>
+            </a:endParaRPr>
+          </a:p>
+          <a:p>
+            <a:pPr marL="0" lvl="0" indent="0">
+              <a:lnSpc>
+                <a:spcPct val="100000"/>
+              </a:lnSpc>
+              <a:buNone/>
+            </a:pPr>
+            <a:endParaRPr lang="en-US" altLang="en-US" sz="1200" dirty="0">
+              <a:solidFill>
+                <a:schemeClr val="bg1"/>
+              </a:solidFill>
+              <a:latin typeface="Helvetica" panose="020B0604020202020204" pitchFamily="34" charset="0"/>
+            </a:endParaRPr>
+          </a:p>
+          <a:p>
+            <a:pPr marL="0" lvl="0" indent="0">
+              <a:lnSpc>
+                <a:spcPct val="100000"/>
+              </a:lnSpc>
+              <a:buNone/>
+            </a:pPr>
+            <a:endParaRPr lang="en-US" altLang="en-US" sz="1200" dirty="0">
+              <a:solidFill>
+                <a:schemeClr val="bg1"/>
+              </a:solidFill>
+              <a:latin typeface="Helvetica" panose="020B0604020202020204" pitchFamily="34" charset="0"/>
+            </a:endParaRPr>
+          </a:p>
+          <a:p>
+            <a:pPr marL="0" lvl="0" indent="0">
+              <a:lnSpc>
+                <a:spcPct val="100000"/>
+              </a:lnSpc>
+              <a:buNone/>
+            </a:pPr>
+            <a:endParaRPr lang="en-US" altLang="en-US" sz="1200" dirty="0">
+              <a:solidFill>
+                <a:schemeClr val="bg1"/>
+              </a:solidFill>
+              <a:latin typeface="Helvetica" panose="020B0604020202020204" pitchFamily="34" charset="0"/>
+            </a:endParaRPr>
+          </a:p>
+          <a:p>
+            <a:pPr marL="0" lvl="0" indent="0">
+              <a:lnSpc>
+                <a:spcPct val="100000"/>
+              </a:lnSpc>
+              <a:buNone/>
+            </a:pPr>
+            <a:endParaRPr lang="en-US" altLang="en-US" sz="1200" dirty="0">
+              <a:solidFill>
+                <a:schemeClr val="bg1"/>
+              </a:solidFill>
+              <a:latin typeface="Helvetica" panose="020B0604020202020204" pitchFamily="34" charset="0"/>
+            </a:endParaRPr>
+          </a:p>
+          <a:p>
+            <a:pPr marL="0" lvl="0" indent="0">
+              <a:lnSpc>
+                <a:spcPct val="100000"/>
+              </a:lnSpc>
+              <a:buNone/>
+            </a:pPr>
+            <a:endParaRPr lang="en-US" altLang="en-US" sz="1200" dirty="0">
+              <a:solidFill>
+                <a:schemeClr val="bg1"/>
+              </a:solidFill>
+              <a:latin typeface="Helvetica" panose="020B0604020202020204" pitchFamily="34" charset="0"/>
+            </a:endParaRPr>
+          </a:p>
+          <a:p>
+            <a:pPr marL="0" lvl="0" indent="0">
+              <a:lnSpc>
+                <a:spcPct val="100000"/>
+              </a:lnSpc>
+              <a:buNone/>
+            </a:pPr>
+            <a:endParaRPr lang="en-US" altLang="en-US" sz="1200" dirty="0">
+              <a:solidFill>
+                <a:schemeClr val="bg1"/>
+              </a:solidFill>
+              <a:latin typeface="Helvetica" panose="020B0604020202020204" pitchFamily="34" charset="0"/>
+            </a:endParaRPr>
+          </a:p>
         </p:txBody>
       </p:sp>
       <p:sp>
@@ -4478,8 +4326,8 @@
         </p:nvSpPr>
         <p:spPr>
           <a:xfrm>
-            <a:off x="6438902" y="1372817"/>
-            <a:ext cx="5286375" cy="5632311"/>
+            <a:off x="6845302" y="1716778"/>
+            <a:ext cx="5286375" cy="5078313"/>
           </a:xfrm>
           <a:prstGeom prst="rect">
             <a:avLst/>
@@ -4504,6 +4352,204 @@
           </a:bodyPr>
           <a:lstStyle/>
           <a:p>
+            <a:pPr lvl="0"/>
+            <a:r>
+              <a:rPr lang="en-US" altLang="en-US" sz="1200" u="sng" dirty="0">
+                <a:solidFill>
+                  <a:schemeClr val="bg1"/>
+                </a:solidFill>
+                <a:latin typeface="Helvetica" panose="020B0604020202020204" pitchFamily="34" charset="0"/>
+              </a:rPr>
+              <a:t>Bayesian Hyperparameters Optimization</a:t>
+            </a:r>
+          </a:p>
+          <a:p>
+            <a:pPr lvl="0"/>
+            <a:endParaRPr lang="en-US" altLang="en-US" sz="1200" dirty="0">
+              <a:solidFill>
+                <a:schemeClr val="bg1"/>
+              </a:solidFill>
+              <a:latin typeface="Helvetica" panose="020B0604020202020204" pitchFamily="34" charset="0"/>
+            </a:endParaRPr>
+          </a:p>
+          <a:p>
+            <a:pPr lvl="0"/>
+            <a:r>
+              <a:rPr lang="en-US" altLang="en-US" sz="1200" dirty="0">
+                <a:solidFill>
+                  <a:schemeClr val="bg1"/>
+                </a:solidFill>
+                <a:latin typeface="Helvetica" panose="020B0604020202020204" pitchFamily="34" charset="0"/>
+              </a:rPr>
+              <a:t>The best accuracy was obtained by setting the hyperparameter values to:</a:t>
+            </a:r>
+          </a:p>
+          <a:p>
+            <a:pPr lvl="0"/>
+            <a:endParaRPr lang="en-US" altLang="en-US" sz="1200" dirty="0">
+              <a:solidFill>
+                <a:schemeClr val="bg1"/>
+              </a:solidFill>
+              <a:latin typeface="Helvetica" panose="020B0604020202020204" pitchFamily="34" charset="0"/>
+            </a:endParaRPr>
+          </a:p>
+          <a:p>
+            <a:pPr marL="342900" lvl="0" indent="-342900">
+              <a:lnSpc>
+                <a:spcPct val="100000"/>
+              </a:lnSpc>
+              <a:buFont typeface="+mj-lt"/>
+              <a:buAutoNum type="arabicPeriod"/>
+            </a:pPr>
+            <a:r>
+              <a:rPr lang="en-US" altLang="en-US" sz="1200" b="1" dirty="0">
+                <a:solidFill>
+                  <a:schemeClr val="bg1"/>
+                </a:solidFill>
+                <a:latin typeface="Helvetica" panose="020B0604020202020204" pitchFamily="34" charset="0"/>
+              </a:rPr>
+              <a:t>Activation = </a:t>
+            </a:r>
+            <a:r>
+              <a:rPr lang="en-US" altLang="en-US" sz="1200" b="1" dirty="0" err="1">
+                <a:solidFill>
+                  <a:schemeClr val="bg1"/>
+                </a:solidFill>
+                <a:latin typeface="Helvetica" panose="020B0604020202020204" pitchFamily="34" charset="0"/>
+              </a:rPr>
+              <a:t>relu</a:t>
+            </a:r>
+            <a:endParaRPr lang="en-US" altLang="en-US" sz="1200" b="1" dirty="0">
+              <a:solidFill>
+                <a:schemeClr val="bg1"/>
+              </a:solidFill>
+              <a:latin typeface="Helvetica" panose="020B0604020202020204" pitchFamily="34" charset="0"/>
+            </a:endParaRPr>
+          </a:p>
+          <a:p>
+            <a:pPr marL="342900" lvl="0" indent="-342900">
+              <a:lnSpc>
+                <a:spcPct val="100000"/>
+              </a:lnSpc>
+              <a:buFont typeface="+mj-lt"/>
+              <a:buAutoNum type="arabicPeriod"/>
+            </a:pPr>
+            <a:r>
+              <a:rPr lang="en-US" altLang="en-US" sz="1200" b="1" dirty="0">
+                <a:solidFill>
+                  <a:schemeClr val="bg1"/>
+                </a:solidFill>
+                <a:latin typeface="Helvetica" panose="020B0604020202020204" pitchFamily="34" charset="0"/>
+              </a:rPr>
+              <a:t>Alpha = 5.09</a:t>
+            </a:r>
+          </a:p>
+          <a:p>
+            <a:pPr marL="342900" lvl="0" indent="-342900">
+              <a:lnSpc>
+                <a:spcPct val="100000"/>
+              </a:lnSpc>
+              <a:buFont typeface="+mj-lt"/>
+              <a:buAutoNum type="arabicPeriod"/>
+            </a:pPr>
+            <a:r>
+              <a:rPr lang="en-US" altLang="en-US" sz="1200" b="1" dirty="0">
+                <a:solidFill>
+                  <a:schemeClr val="bg1"/>
+                </a:solidFill>
+                <a:latin typeface="Helvetica" panose="020B0604020202020204" pitchFamily="34" charset="0"/>
+              </a:rPr>
+              <a:t>Neurons = 9</a:t>
+            </a:r>
+          </a:p>
+          <a:p>
+            <a:pPr marL="342900" lvl="0" indent="-342900">
+              <a:lnSpc>
+                <a:spcPct val="100000"/>
+              </a:lnSpc>
+              <a:buFont typeface="+mj-lt"/>
+              <a:buAutoNum type="arabicPeriod"/>
+            </a:pPr>
+            <a:r>
+              <a:rPr lang="en-US" altLang="en-US" sz="1200" b="1" dirty="0">
+                <a:solidFill>
+                  <a:schemeClr val="bg1"/>
+                </a:solidFill>
+                <a:latin typeface="Helvetica" panose="020B0604020202020204" pitchFamily="34" charset="0"/>
+              </a:rPr>
+              <a:t>Learning rate = constant</a:t>
+            </a:r>
+          </a:p>
+          <a:p>
+            <a:pPr marL="342900" lvl="0" indent="-342900">
+              <a:lnSpc>
+                <a:spcPct val="100000"/>
+              </a:lnSpc>
+              <a:buFont typeface="+mj-lt"/>
+              <a:buAutoNum type="arabicPeriod"/>
+            </a:pPr>
+            <a:r>
+              <a:rPr lang="en-US" altLang="en-US" sz="1200" b="1" dirty="0">
+                <a:solidFill>
+                  <a:schemeClr val="bg1"/>
+                </a:solidFill>
+                <a:latin typeface="Helvetica" panose="020B0604020202020204" pitchFamily="34" charset="0"/>
+              </a:rPr>
+              <a:t>Initial = 0.52</a:t>
+            </a:r>
+          </a:p>
+          <a:p>
+            <a:pPr marL="342900" lvl="0" indent="-342900">
+              <a:lnSpc>
+                <a:spcPct val="100000"/>
+              </a:lnSpc>
+              <a:buFont typeface="+mj-lt"/>
+              <a:buAutoNum type="arabicPeriod"/>
+            </a:pPr>
+            <a:r>
+              <a:rPr lang="en-US" altLang="en-US" sz="1200" b="1" dirty="0">
+                <a:solidFill>
+                  <a:schemeClr val="bg1"/>
+                </a:solidFill>
+                <a:latin typeface="Helvetica" panose="020B0604020202020204" pitchFamily="34" charset="0"/>
+              </a:rPr>
+              <a:t>Exponent = 0.48</a:t>
+            </a:r>
+          </a:p>
+          <a:p>
+            <a:pPr marL="342900" lvl="0" indent="-342900">
+              <a:lnSpc>
+                <a:spcPct val="100000"/>
+              </a:lnSpc>
+              <a:buFont typeface="+mj-lt"/>
+              <a:buAutoNum type="arabicPeriod"/>
+            </a:pPr>
+            <a:r>
+              <a:rPr lang="en-US" altLang="en-US" sz="1200" b="1" dirty="0">
+                <a:solidFill>
+                  <a:schemeClr val="bg1"/>
+                </a:solidFill>
+                <a:latin typeface="Helvetica" panose="020B0604020202020204" pitchFamily="34" charset="0"/>
+              </a:rPr>
+              <a:t>Solver = </a:t>
+            </a:r>
+            <a:r>
+              <a:rPr lang="en-US" altLang="en-US" sz="1200" b="1" dirty="0" err="1">
+                <a:solidFill>
+                  <a:schemeClr val="bg1"/>
+                </a:solidFill>
+                <a:latin typeface="Helvetica" panose="020B0604020202020204" pitchFamily="34" charset="0"/>
+              </a:rPr>
+              <a:t>lbfgs</a:t>
+            </a:r>
+            <a:endParaRPr lang="en-US" altLang="en-US" sz="1200" b="1" dirty="0">
+              <a:solidFill>
+                <a:schemeClr val="bg1"/>
+              </a:solidFill>
+              <a:latin typeface="Helvetica" panose="020B0604020202020204" pitchFamily="34" charset="0"/>
+            </a:endParaRPr>
+          </a:p>
+          <a:p>
             <a:pPr eaLnBrk="0" fontAlgn="base" hangingPunct="0">
               <a:spcBef>
                 <a:spcPct val="0"/>
@@ -4512,6 +4558,22 @@
                 <a:spcPct val="0"/>
               </a:spcAft>
             </a:pPr>
+            <a:endParaRPr lang="en-SG" sz="1200" u="sng" dirty="0">
+              <a:solidFill>
+                <a:schemeClr val="bg1"/>
+              </a:solidFill>
+              <a:latin typeface="Helvetica" panose="020B0604020202020204" pitchFamily="34" charset="0"/>
+            </a:endParaRPr>
+          </a:p>
+          <a:p>
+            <a:pPr eaLnBrk="0" fontAlgn="base" hangingPunct="0">
+              <a:spcBef>
+                <a:spcPct val="0"/>
+              </a:spcBef>
+              <a:spcAft>
+                <a:spcPct val="0"/>
+              </a:spcAft>
+            </a:pPr>
             <a:r>
               <a:rPr lang="en-SG" sz="1200" u="sng" dirty="0">
                 <a:solidFill>
@@ -4519,25 +4581,42 @@
                 </a:solidFill>
                 <a:latin typeface="Helvetica" panose="020B0604020202020204" pitchFamily="34" charset="0"/>
               </a:rPr>
-              <a:t>Does adding a 2</a:t>
-            </a:r>
-            <a:r>
-              <a:rPr lang="en-SG" sz="1200" u="sng" baseline="30000" dirty="0">
-                <a:solidFill>
-                  <a:schemeClr val="bg1"/>
-                </a:solidFill>
-                <a:latin typeface="Helvetica" panose="020B0604020202020204" pitchFamily="34" charset="0"/>
-              </a:rPr>
-              <a:t>nd</a:t>
-            </a:r>
-            <a:r>
-              <a:rPr lang="en-SG" sz="1200" u="sng" dirty="0">
-                <a:solidFill>
-                  <a:schemeClr val="bg1"/>
-                </a:solidFill>
-                <a:latin typeface="Helvetica" panose="020B0604020202020204" pitchFamily="34" charset="0"/>
-              </a:rPr>
-              <a:t> layer increase accuracy?</a:t>
+              <a:t>Feature Importance</a:t>
+            </a:r>
+          </a:p>
+          <a:p>
+            <a:pPr eaLnBrk="0" fontAlgn="base" hangingPunct="0">
+              <a:spcBef>
+                <a:spcPct val="0"/>
+              </a:spcBef>
+              <a:spcAft>
+                <a:spcPct val="0"/>
+              </a:spcAft>
+            </a:pPr>
+            <a:endParaRPr lang="en-SG" sz="1200" u="sng" dirty="0">
+              <a:solidFill>
+                <a:schemeClr val="bg1"/>
+              </a:solidFill>
+              <a:latin typeface="Helvetica" panose="020B0604020202020204" pitchFamily="34" charset="0"/>
+            </a:endParaRPr>
+          </a:p>
+          <a:p>
+            <a:pPr eaLnBrk="0" fontAlgn="base" hangingPunct="0">
+              <a:spcBef>
+                <a:spcPct val="0"/>
+              </a:spcBef>
+              <a:spcAft>
+                <a:spcPct val="0"/>
+              </a:spcAft>
+            </a:pPr>
+            <a:r>
+              <a:rPr lang="en-SG" sz="1200" dirty="0">
+                <a:solidFill>
+                  <a:schemeClr val="bg1"/>
+                </a:solidFill>
+                <a:latin typeface="Helvetica" panose="020B0604020202020204" pitchFamily="34" charset="0"/>
+              </a:rPr>
+              <a:t>We used the eli5 packages to determine feature importance through observing how randomizing the value of a feature affects accuracy. A feature that is important to the prediction of the model will cause accuracy to drop if its value is randomizes.</a:t>
             </a:r>
           </a:p>
           <a:p>
@@ -4572,43 +4651,7 @@
                 </a:solidFill>
                 <a:latin typeface="Helvetica" panose="020B0604020202020204" pitchFamily="34" charset="0"/>
               </a:rPr>
-              <a:t>We used a randomized grid search to search through the state space of all 3025 combinations of 55 neurons in 1</a:t>
-            </a:r>
-            <a:r>
-              <a:rPr lang="en-SG" sz="1200" baseline="30000" dirty="0">
-                <a:solidFill>
-                  <a:schemeClr val="bg1"/>
-                </a:solidFill>
-                <a:latin typeface="Helvetica" panose="020B0604020202020204" pitchFamily="34" charset="0"/>
-              </a:rPr>
-              <a:t>st</a:t>
-            </a:r>
-            <a:r>
-              <a:rPr lang="en-SG" sz="1200" dirty="0">
-                <a:solidFill>
-                  <a:schemeClr val="bg1"/>
-                </a:solidFill>
-                <a:latin typeface="Helvetica" panose="020B0604020202020204" pitchFamily="34" charset="0"/>
-              </a:rPr>
-              <a:t> and 2</a:t>
-            </a:r>
-            <a:r>
-              <a:rPr lang="en-SG" sz="1200" baseline="30000" dirty="0">
-                <a:solidFill>
-                  <a:schemeClr val="bg1"/>
-                </a:solidFill>
-                <a:latin typeface="Helvetica" panose="020B0604020202020204" pitchFamily="34" charset="0"/>
-              </a:rPr>
-              <a:t>nd</a:t>
-            </a:r>
-            <a:r>
-              <a:rPr lang="en-SG" sz="1200" dirty="0">
-                <a:solidFill>
-                  <a:schemeClr val="bg1"/>
-                </a:solidFill>
-                <a:latin typeface="Helvetica" panose="020B0604020202020204" pitchFamily="34" charset="0"/>
-              </a:rPr>
-              <a:t> layers. If 1% of these combinations i.e., 30 gives the best accuracy, we only need to run 425 searches to guarantee at least 99% of obtaining one of the 30 best combinations.</a:t>
+              <a:t>The three most important features are:</a:t>
             </a:r>
           </a:p>
           <a:p>
@@ -4628,40 +4671,63 @@
             </a:endParaRPr>
           </a:p>
           <a:p>
-            <a:pPr eaLnBrk="0" fontAlgn="base" hangingPunct="0">
+            <a:pPr marL="228600" indent="-228600" eaLnBrk="0" fontAlgn="base" hangingPunct="0">
               <a:spcBef>
                 <a:spcPct val="0"/>
               </a:spcBef>
               <a:spcAft>
                 <a:spcPct val="0"/>
               </a:spcAft>
+              <a:buAutoNum type="arabicPeriod"/>
             </a:pPr>
             <a:r>
-              <a:rPr lang="en-SG" sz="1200" dirty="0">
-                <a:solidFill>
-                  <a:schemeClr val="bg1"/>
-                </a:solidFill>
-                <a:latin typeface="Helvetica" panose="020B0604020202020204" pitchFamily="34" charset="0"/>
-              </a:rPr>
-              <a:t>We found that adding a 2</a:t>
-            </a:r>
-            <a:r>
-              <a:rPr lang="en-SG" sz="1200" baseline="30000" dirty="0">
-                <a:solidFill>
-                  <a:schemeClr val="bg1"/>
-                </a:solidFill>
-                <a:latin typeface="Helvetica" panose="020B0604020202020204" pitchFamily="34" charset="0"/>
-              </a:rPr>
-              <a:t>nd</a:t>
-            </a:r>
-            <a:r>
-              <a:rPr lang="en-SG" sz="1200" dirty="0">
-                <a:solidFill>
-                  <a:schemeClr val="bg1"/>
-                </a:solidFill>
-                <a:latin typeface="Helvetica" panose="020B0604020202020204" pitchFamily="34" charset="0"/>
-              </a:rPr>
-              <a:t> layer didn’t increase model accuracy.</a:t>
+              <a:rPr lang="en-SG" sz="1200" b="1" dirty="0">
+                <a:solidFill>
+                  <a:schemeClr val="bg1"/>
+                </a:solidFill>
+                <a:latin typeface="Helvetica" panose="020B0604020202020204" pitchFamily="34" charset="0"/>
+              </a:rPr>
+              <a:t>Amplifier 1</a:t>
+            </a:r>
+          </a:p>
+          <a:p>
+            <a:pPr marL="228600" indent="-228600" eaLnBrk="0" fontAlgn="base" hangingPunct="0">
+              <a:spcBef>
+                <a:spcPct val="0"/>
+              </a:spcBef>
+              <a:spcAft>
+                <a:spcPct val="0"/>
+              </a:spcAft>
+              <a:buAutoNum type="arabicPeriod"/>
+            </a:pPr>
+            <a:r>
+              <a:rPr lang="en-SG" sz="1200" b="1" dirty="0">
+                <a:solidFill>
+                  <a:schemeClr val="bg1"/>
+                </a:solidFill>
+                <a:latin typeface="Helvetica" panose="020B0604020202020204" pitchFamily="34" charset="0"/>
+              </a:rPr>
+              <a:t>Column Short Type 2</a:t>
+            </a:r>
+          </a:p>
+          <a:p>
+            <a:pPr marL="228600" indent="-228600" eaLnBrk="0" fontAlgn="base" hangingPunct="0">
+              <a:spcBef>
+                <a:spcPct val="0"/>
+              </a:spcBef>
+              <a:spcAft>
+                <a:spcPct val="0"/>
+              </a:spcAft>
+              <a:buAutoNum type="arabicPeriod"/>
+            </a:pPr>
+            <a:r>
+              <a:rPr lang="en-SG" sz="1200" b="1" dirty="0">
+                <a:solidFill>
+                  <a:schemeClr val="bg1"/>
+                </a:solidFill>
+                <a:latin typeface="Helvetica" panose="020B0604020202020204" pitchFamily="34" charset="0"/>
+              </a:rPr>
+              <a:t>Column Short Type 3</a:t>
             </a:r>
           </a:p>
           <a:p>
@@ -4689,25 +4755,6 @@
                 <a:spcPct val="0"/>
               </a:spcAft>
             </a:pPr>
-            <a:r>
-              <a:rPr lang="en-SG" sz="1200" dirty="0">
-                <a:solidFill>
-                  <a:schemeClr val="bg1"/>
-                </a:solidFill>
-                <a:latin typeface="Helvetica" panose="020B0604020202020204" pitchFamily="34" charset="0"/>
-              </a:rPr>
-              <a:t>Note: We omitted these codes in the submitted documents because of very long training time required.</a:t>
-            </a:r>
-          </a:p>
-          <a:p>
-            <a:pPr eaLnBrk="0" fontAlgn="base" hangingPunct="0">
-              <a:spcBef>
-                <a:spcPct val="0"/>
-              </a:spcBef>
-              <a:spcAft>
-                <a:spcPct val="0"/>
-              </a:spcAft>
-            </a:pPr>
             <a:endParaRPr lang="en-SG" sz="1200" dirty="0">
               <a:solidFill>
                 <a:schemeClr val="bg1"/>
@@ -4724,311 +4771,7 @@
                 <a:spcPct val="0"/>
               </a:spcAft>
             </a:pPr>
-            <a:r>
-              <a:rPr lang="en-SG" sz="1200" u="sng" dirty="0">
-                <a:solidFill>
-                  <a:schemeClr val="bg1"/>
-                </a:solidFill>
-                <a:latin typeface="Helvetica" panose="020B0604020202020204" pitchFamily="34" charset="0"/>
-              </a:rPr>
-              <a:t>Does combining a few estimators to form an ensemble estimator increase accuracy?</a:t>
-            </a:r>
-          </a:p>
-          <a:p>
-            <a:pPr eaLnBrk="0" fontAlgn="base" hangingPunct="0">
-              <a:spcBef>
-                <a:spcPct val="0"/>
-              </a:spcBef>
-              <a:spcAft>
-                <a:spcPct val="0"/>
-              </a:spcAft>
-            </a:pPr>
             <a:endParaRPr lang="en-SG" sz="1200" dirty="0">
-              <a:solidFill>
-                <a:schemeClr val="bg1"/>
-              </a:solidFill>
-              <a:latin typeface="Helvetica" panose="020B0604020202020204" pitchFamily="34" charset="0"/>
-            </a:endParaRPr>
-          </a:p>
-          <a:p>
-            <a:pPr eaLnBrk="0" fontAlgn="base" hangingPunct="0">
-              <a:spcBef>
-                <a:spcPct val="0"/>
-              </a:spcBef>
-              <a:spcAft>
-                <a:spcPct val="0"/>
-              </a:spcAft>
-            </a:pPr>
-            <a:r>
-              <a:rPr lang="en-SG" sz="1200" dirty="0">
-                <a:solidFill>
-                  <a:schemeClr val="bg1"/>
-                </a:solidFill>
-                <a:latin typeface="Helvetica" panose="020B0604020202020204" pitchFamily="34" charset="0"/>
-              </a:rPr>
-              <a:t>We used the </a:t>
-            </a:r>
-            <a:r>
-              <a:rPr lang="en-SG" sz="1200" dirty="0" err="1">
-                <a:solidFill>
-                  <a:schemeClr val="bg1"/>
-                </a:solidFill>
-                <a:latin typeface="Helvetica" panose="020B0604020202020204" pitchFamily="34" charset="0"/>
-              </a:rPr>
-              <a:t>scikit</a:t>
-            </a:r>
-            <a:r>
-              <a:rPr lang="en-SG" sz="1200" dirty="0">
-                <a:solidFill>
-                  <a:schemeClr val="bg1"/>
-                </a:solidFill>
-                <a:latin typeface="Helvetica" panose="020B0604020202020204" pitchFamily="34" charset="0"/>
-              </a:rPr>
-              <a:t>-learn function </a:t>
-            </a:r>
-            <a:r>
-              <a:rPr lang="en-SG" sz="1200" dirty="0" err="1">
-                <a:solidFill>
-                  <a:schemeClr val="bg1"/>
-                </a:solidFill>
-                <a:latin typeface="Helvetica" panose="020B0604020202020204" pitchFamily="34" charset="0"/>
-              </a:rPr>
-              <a:t>VotingClassifer</a:t>
-            </a:r>
-            <a:r>
-              <a:rPr lang="en-SG" sz="1200" dirty="0">
-                <a:solidFill>
-                  <a:schemeClr val="bg1"/>
-                </a:solidFill>
-                <a:latin typeface="Helvetica" panose="020B0604020202020204" pitchFamily="34" charset="0"/>
-              </a:rPr>
-              <a:t> to combine the top five MLP classifiers into an ensemble estimator.</a:t>
-            </a:r>
-          </a:p>
-          <a:p>
-            <a:pPr eaLnBrk="0" fontAlgn="base" hangingPunct="0">
-              <a:spcBef>
-                <a:spcPct val="0"/>
-              </a:spcBef>
-              <a:spcAft>
-                <a:spcPct val="0"/>
-              </a:spcAft>
-            </a:pPr>
-            <a:endParaRPr lang="en-SG" sz="1200" dirty="0">
-              <a:solidFill>
-                <a:schemeClr val="bg1"/>
-              </a:solidFill>
-              <a:latin typeface="Helvetica" panose="020B0604020202020204" pitchFamily="34" charset="0"/>
-            </a:endParaRPr>
-          </a:p>
-          <a:p>
-            <a:pPr eaLnBrk="0" fontAlgn="base" hangingPunct="0">
-              <a:spcBef>
-                <a:spcPct val="0"/>
-              </a:spcBef>
-              <a:spcAft>
-                <a:spcPct val="0"/>
-              </a:spcAft>
-            </a:pPr>
-            <a:r>
-              <a:rPr lang="en-SG" sz="1200" dirty="0">
-                <a:solidFill>
-                  <a:schemeClr val="bg1"/>
-                </a:solidFill>
-                <a:latin typeface="Helvetica" panose="020B0604020202020204" pitchFamily="34" charset="0"/>
-              </a:rPr>
-              <a:t>We found that the ensemble estimator didn’t increase model accuracy.</a:t>
-            </a:r>
-          </a:p>
-          <a:p>
-            <a:pPr eaLnBrk="0" fontAlgn="base" hangingPunct="0">
-              <a:spcBef>
-                <a:spcPct val="0"/>
-              </a:spcBef>
-              <a:spcAft>
-                <a:spcPct val="0"/>
-              </a:spcAft>
-            </a:pPr>
-            <a:r>
-              <a:rPr lang="en-SG" sz="1200" dirty="0">
-                <a:solidFill>
-                  <a:schemeClr val="bg1"/>
-                </a:solidFill>
-                <a:latin typeface="Helvetica" panose="020B0604020202020204" pitchFamily="34" charset="0"/>
-              </a:rPr>
-              <a:t>Model</a:t>
-            </a:r>
-          </a:p>
-          <a:p>
-            <a:pPr eaLnBrk="0" fontAlgn="base" hangingPunct="0">
-              <a:spcBef>
-                <a:spcPct val="0"/>
-              </a:spcBef>
-              <a:spcAft>
-                <a:spcPct val="0"/>
-              </a:spcAft>
-            </a:pPr>
-            <a:endParaRPr lang="en-SG" sz="1200" dirty="0">
-              <a:solidFill>
-                <a:schemeClr val="bg1"/>
-              </a:solidFill>
-              <a:latin typeface="Helvetica" panose="020B0604020202020204" pitchFamily="34" charset="0"/>
-            </a:endParaRPr>
-          </a:p>
-          <a:p>
-            <a:pPr eaLnBrk="0" fontAlgn="base" hangingPunct="0">
-              <a:spcBef>
-                <a:spcPct val="0"/>
-              </a:spcBef>
-              <a:spcAft>
-                <a:spcPct val="0"/>
-              </a:spcAft>
-            </a:pPr>
-            <a:r>
-              <a:rPr lang="en-SG" sz="1200" b="1" dirty="0">
-                <a:solidFill>
-                  <a:schemeClr val="bg1"/>
-                </a:solidFill>
-                <a:latin typeface="Helvetica" panose="020B0604020202020204" pitchFamily="34" charset="0"/>
-              </a:rPr>
-              <a:t>For optimum results:</a:t>
-            </a:r>
-          </a:p>
-          <a:p>
-            <a:pPr marL="342900" lvl="0" indent="-342900">
-              <a:lnSpc>
-                <a:spcPct val="100000"/>
-              </a:lnSpc>
-              <a:buFont typeface="+mj-lt"/>
-              <a:buAutoNum type="arabicPeriod"/>
-            </a:pPr>
-            <a:r>
-              <a:rPr lang="en-US" altLang="en-US" sz="1200" dirty="0">
-                <a:solidFill>
-                  <a:schemeClr val="bg1"/>
-                </a:solidFill>
-                <a:latin typeface="Helvetica" panose="020B0604020202020204" pitchFamily="34" charset="0"/>
-              </a:rPr>
-              <a:t>Activation = logistic</a:t>
-            </a:r>
-          </a:p>
-          <a:p>
-            <a:pPr marL="342900" lvl="0" indent="-342900">
-              <a:lnSpc>
-                <a:spcPct val="100000"/>
-              </a:lnSpc>
-              <a:buFont typeface="+mj-lt"/>
-              <a:buAutoNum type="arabicPeriod"/>
-            </a:pPr>
-            <a:r>
-              <a:rPr lang="en-US" altLang="en-US" sz="1200" dirty="0">
-                <a:solidFill>
-                  <a:schemeClr val="bg1"/>
-                </a:solidFill>
-                <a:latin typeface="Helvetica" panose="020B0604020202020204" pitchFamily="34" charset="0"/>
-              </a:rPr>
-              <a:t>Alpha = 0.99</a:t>
-            </a:r>
-          </a:p>
-          <a:p>
-            <a:pPr marL="342900" lvl="0" indent="-342900">
-              <a:lnSpc>
-                <a:spcPct val="100000"/>
-              </a:lnSpc>
-              <a:buFont typeface="+mj-lt"/>
-              <a:buAutoNum type="arabicPeriod"/>
-            </a:pPr>
-            <a:r>
-              <a:rPr lang="en-US" altLang="en-US" sz="1200" dirty="0">
-                <a:solidFill>
-                  <a:schemeClr val="bg1"/>
-                </a:solidFill>
-                <a:latin typeface="Helvetica" panose="020B0604020202020204" pitchFamily="34" charset="0"/>
-              </a:rPr>
-              <a:t>Neurons = 29</a:t>
-            </a:r>
-          </a:p>
-          <a:p>
-            <a:pPr marL="342900" lvl="0" indent="-342900">
-              <a:lnSpc>
-                <a:spcPct val="100000"/>
-              </a:lnSpc>
-              <a:buFont typeface="+mj-lt"/>
-              <a:buAutoNum type="arabicPeriod"/>
-            </a:pPr>
-            <a:r>
-              <a:rPr lang="en-US" altLang="en-US" sz="1200" dirty="0">
-                <a:solidFill>
-                  <a:schemeClr val="bg1"/>
-                </a:solidFill>
-                <a:latin typeface="Helvetica" panose="020B0604020202020204" pitchFamily="34" charset="0"/>
-              </a:rPr>
-              <a:t>Learning rate = constant</a:t>
-            </a:r>
-          </a:p>
-          <a:p>
-            <a:pPr marL="342900" lvl="0" indent="-342900">
-              <a:lnSpc>
-                <a:spcPct val="100000"/>
-              </a:lnSpc>
-              <a:buFont typeface="+mj-lt"/>
-              <a:buAutoNum type="arabicPeriod"/>
-            </a:pPr>
-            <a:r>
-              <a:rPr lang="en-US" altLang="en-US" sz="1200" dirty="0">
-                <a:solidFill>
-                  <a:schemeClr val="bg1"/>
-                </a:solidFill>
-                <a:latin typeface="Helvetica" panose="020B0604020202020204" pitchFamily="34" charset="0"/>
-              </a:rPr>
-              <a:t>Initial = 0.40</a:t>
-            </a:r>
-          </a:p>
-          <a:p>
-            <a:pPr marL="342900" lvl="0" indent="-342900">
-              <a:lnSpc>
-                <a:spcPct val="100000"/>
-              </a:lnSpc>
-              <a:buFont typeface="+mj-lt"/>
-              <a:buAutoNum type="arabicPeriod"/>
-            </a:pPr>
-            <a:r>
-              <a:rPr lang="en-US" altLang="en-US" sz="1200" dirty="0">
-                <a:solidFill>
-                  <a:schemeClr val="bg1"/>
-                </a:solidFill>
-                <a:latin typeface="Helvetica" panose="020B0604020202020204" pitchFamily="34" charset="0"/>
-              </a:rPr>
-              <a:t>Exponent = 0.99</a:t>
-            </a:r>
-          </a:p>
-          <a:p>
-            <a:pPr marL="342900" lvl="0" indent="-342900">
-              <a:lnSpc>
-                <a:spcPct val="100000"/>
-              </a:lnSpc>
-              <a:buFont typeface="+mj-lt"/>
-              <a:buAutoNum type="arabicPeriod"/>
-            </a:pPr>
-            <a:r>
-              <a:rPr lang="en-US" altLang="en-US" sz="1200" dirty="0">
-                <a:solidFill>
-                  <a:schemeClr val="bg1"/>
-                </a:solidFill>
-                <a:latin typeface="Helvetica" panose="020B0604020202020204" pitchFamily="34" charset="0"/>
-              </a:rPr>
-              <a:t>Solver = </a:t>
-            </a:r>
-            <a:r>
-              <a:rPr lang="en-US" altLang="en-US" sz="1200" dirty="0" err="1">
-                <a:solidFill>
-                  <a:schemeClr val="bg1"/>
-                </a:solidFill>
-                <a:latin typeface="Helvetica" panose="020B0604020202020204" pitchFamily="34" charset="0"/>
-              </a:rPr>
-              <a:t>lbfgs</a:t>
-            </a:r>
-            <a:endParaRPr lang="en-US" altLang="en-US" sz="1200" dirty="0">
               <a:solidFill>
                 <a:schemeClr val="bg1"/>
               </a:solidFill>
@@ -5086,7 +4829,7 @@
               </a:spcAft>
             </a:pPr>
             <a:r>
-              <a:rPr lang="en-SG" sz="1400" b="1" dirty="0" smtClean="0">
+              <a:rPr lang="en-SG" sz="1400" b="1" dirty="0">
                 <a:solidFill>
                   <a:srgbClr val="FFFF00"/>
                 </a:solidFill>
@@ -5094,19 +4837,1290 @@
               </a:rPr>
               <a:t>Results:</a:t>
             </a:r>
-            <a:endParaRPr lang="en-SG" sz="1400" b="1" dirty="0">
-              <a:solidFill>
-                <a:srgbClr val="FFFF00"/>
-              </a:solidFill>
-              <a:latin typeface="Helvetica" panose="020B0604020202020204" pitchFamily="34" charset="0"/>
-            </a:endParaRPr>
           </a:p>
         </p:txBody>
       </p:sp>
+      <p:graphicFrame>
+        <p:nvGraphicFramePr>
+          <p:cNvPr id="10" name="Table 10">
+            <a:extLst>
+              <a:ext uri="{FF2B5EF4-FFF2-40B4-BE49-F238E27FC236}">
+                <a16:creationId xmlns:a16="http://schemas.microsoft.com/office/drawing/2014/main" id="{EF1C027F-A46A-4398-8A24-8D22DD82D085}"/>
+              </a:ext>
+            </a:extLst>
+          </p:cNvPr>
+          <p:cNvGraphicFramePr>
+            <a:graphicFrameLocks noGrp="1"/>
+          </p:cNvGraphicFramePr>
+          <p:nvPr/>
+        </p:nvGraphicFramePr>
+        <p:xfrm>
+          <a:off x="393700" y="1996396"/>
+          <a:ext cx="6140450" cy="1508760"/>
+        </p:xfrm>
+        <a:graphic>
+          <a:graphicData uri="http://schemas.openxmlformats.org/drawingml/2006/table">
+            <a:tbl>
+              <a:tblPr firstRow="1" bandRow="1">
+                <a:tableStyleId>{5C22544A-7EE6-4342-B048-85BDC9FD1C3A}</a:tableStyleId>
+              </a:tblPr>
+              <a:tblGrid>
+                <a:gridCol w="781050">
+                  <a:extLst>
+                    <a:ext uri="{9D8B030D-6E8A-4147-A177-3AD203B41FA5}">
+                      <a16:colId xmlns:a16="http://schemas.microsoft.com/office/drawing/2014/main" val="593069223"/>
+                    </a:ext>
+                  </a:extLst>
+                </a:gridCol>
+                <a:gridCol w="770770">
+                  <a:extLst>
+                    <a:ext uri="{9D8B030D-6E8A-4147-A177-3AD203B41FA5}">
+                      <a16:colId xmlns:a16="http://schemas.microsoft.com/office/drawing/2014/main" val="4133044928"/>
+                    </a:ext>
+                  </a:extLst>
+                </a:gridCol>
+                <a:gridCol w="768350">
+                  <a:extLst>
+                    <a:ext uri="{9D8B030D-6E8A-4147-A177-3AD203B41FA5}">
+                      <a16:colId xmlns:a16="http://schemas.microsoft.com/office/drawing/2014/main" val="4272454390"/>
+                    </a:ext>
+                  </a:extLst>
+                </a:gridCol>
+                <a:gridCol w="208280">
+                  <a:extLst>
+                    <a:ext uri="{9D8B030D-6E8A-4147-A177-3AD203B41FA5}">
+                      <a16:colId xmlns:a16="http://schemas.microsoft.com/office/drawing/2014/main" val="2309257333"/>
+                    </a:ext>
+                  </a:extLst>
+                </a:gridCol>
+                <a:gridCol w="985520">
+                  <a:extLst>
+                    <a:ext uri="{9D8B030D-6E8A-4147-A177-3AD203B41FA5}">
+                      <a16:colId xmlns:a16="http://schemas.microsoft.com/office/drawing/2014/main" val="3045139948"/>
+                    </a:ext>
+                  </a:extLst>
+                </a:gridCol>
+                <a:gridCol w="812800">
+                  <a:extLst>
+                    <a:ext uri="{9D8B030D-6E8A-4147-A177-3AD203B41FA5}">
+                      <a16:colId xmlns:a16="http://schemas.microsoft.com/office/drawing/2014/main" val="1293728356"/>
+                    </a:ext>
+                  </a:extLst>
+                </a:gridCol>
+                <a:gridCol w="208280">
+                  <a:extLst>
+                    <a:ext uri="{9D8B030D-6E8A-4147-A177-3AD203B41FA5}">
+                      <a16:colId xmlns:a16="http://schemas.microsoft.com/office/drawing/2014/main" val="2358541111"/>
+                    </a:ext>
+                  </a:extLst>
+                </a:gridCol>
+                <a:gridCol w="756920">
+                  <a:extLst>
+                    <a:ext uri="{9D8B030D-6E8A-4147-A177-3AD203B41FA5}">
+                      <a16:colId xmlns:a16="http://schemas.microsoft.com/office/drawing/2014/main" val="604818839"/>
+                    </a:ext>
+                  </a:extLst>
+                </a:gridCol>
+                <a:gridCol w="848480">
+                  <a:extLst>
+                    <a:ext uri="{9D8B030D-6E8A-4147-A177-3AD203B41FA5}">
+                      <a16:colId xmlns:a16="http://schemas.microsoft.com/office/drawing/2014/main" val="2381923010"/>
+                    </a:ext>
+                  </a:extLst>
+                </a:gridCol>
+              </a:tblGrid>
+              <a:tr h="143554">
+                <a:tc>
+                  <a:txBody>
+                    <a:bodyPr/>
+                    <a:lstStyle/>
+                    <a:p>
+                      <a:endParaRPr lang="en-SG" sz="1100" dirty="0"/>
+                    </a:p>
+                  </a:txBody>
+                  <a:tcPr>
+                    <a:solidFill>
+                      <a:schemeClr val="tx1"/>
+                    </a:solidFill>
+                  </a:tcPr>
+                </a:tc>
+                <a:tc gridSpan="2">
+                  <a:txBody>
+                    <a:bodyPr/>
+                    <a:lstStyle/>
+                    <a:p>
+                      <a:pPr algn="ctr"/>
+                      <a:r>
+                        <a:rPr lang="en-SG" sz="1000" dirty="0"/>
+                        <a:t>SB</a:t>
+                      </a:r>
+                    </a:p>
+                  </a:txBody>
+                  <a:tcPr/>
+                </a:tc>
+                <a:tc hMerge="1">
+                  <a:txBody>
+                    <a:bodyPr/>
+                    <a:lstStyle/>
+                    <a:p>
+                      <a:endParaRPr lang="en-SG" dirty="0"/>
+                    </a:p>
+                  </a:txBody>
+                  <a:tcPr/>
+                </a:tc>
+                <a:tc>
+                  <a:txBody>
+                    <a:bodyPr/>
+                    <a:lstStyle/>
+                    <a:p>
+                      <a:pPr algn="ctr"/>
+                      <a:endParaRPr lang="en-SG" sz="1000" dirty="0"/>
+                    </a:p>
+                  </a:txBody>
+                  <a:tcPr/>
+                </a:tc>
+                <a:tc gridSpan="2">
+                  <a:txBody>
+                    <a:bodyPr/>
+                    <a:lstStyle/>
+                    <a:p>
+                      <a:pPr algn="ctr"/>
+                      <a:r>
+                        <a:rPr lang="en-SG" sz="1000" dirty="0"/>
+                        <a:t>ROW</a:t>
+                      </a:r>
+                    </a:p>
+                  </a:txBody>
+                  <a:tcPr/>
+                </a:tc>
+                <a:tc hMerge="1">
+                  <a:txBody>
+                    <a:bodyPr/>
+                    <a:lstStyle/>
+                    <a:p>
+                      <a:endParaRPr lang="en-SG" dirty="0"/>
+                    </a:p>
+                  </a:txBody>
+                  <a:tcPr/>
+                </a:tc>
+                <a:tc>
+                  <a:txBody>
+                    <a:bodyPr/>
+                    <a:lstStyle/>
+                    <a:p>
+                      <a:pPr algn="ctr"/>
+                      <a:endParaRPr lang="en-SG" sz="1000"/>
+                    </a:p>
+                  </a:txBody>
+                  <a:tcPr/>
+                </a:tc>
+                <a:tc gridSpan="2">
+                  <a:txBody>
+                    <a:bodyPr/>
+                    <a:lstStyle/>
+                    <a:p>
+                      <a:pPr algn="ctr"/>
+                      <a:r>
+                        <a:rPr lang="en-SG" sz="1000" dirty="0"/>
+                        <a:t>COL</a:t>
+                      </a:r>
+                    </a:p>
+                  </a:txBody>
+                  <a:tcPr/>
+                </a:tc>
+                <a:tc hMerge="1">
+                  <a:txBody>
+                    <a:bodyPr/>
+                    <a:lstStyle/>
+                    <a:p>
+                      <a:endParaRPr lang="en-SG" dirty="0"/>
+                    </a:p>
+                  </a:txBody>
+                  <a:tcPr/>
+                </a:tc>
+                <a:extLst>
+                  <a:ext uri="{0D108BD9-81ED-4DB2-BD59-A6C34878D82A}">
+                    <a16:rowId xmlns:a16="http://schemas.microsoft.com/office/drawing/2014/main" val="1085460300"/>
+                  </a:ext>
+                </a:extLst>
+              </a:tr>
+              <a:tr h="370840">
+                <a:tc>
+                  <a:txBody>
+                    <a:bodyPr/>
+                    <a:lstStyle/>
+                    <a:p>
+                      <a:endParaRPr lang="en-SG" sz="1100" dirty="0"/>
+                    </a:p>
+                  </a:txBody>
+                  <a:tcPr>
+                    <a:solidFill>
+                      <a:schemeClr val="tx1"/>
+                    </a:solidFill>
+                  </a:tcPr>
+                </a:tc>
+                <a:tc>
+                  <a:txBody>
+                    <a:bodyPr/>
+                    <a:lstStyle/>
+                    <a:p>
+                      <a:pPr algn="ctr"/>
+                      <a:r>
+                        <a:rPr lang="en-SG" sz="1000" dirty="0"/>
+                        <a:t>Predicted Negative</a:t>
+                      </a:r>
+                    </a:p>
+                  </a:txBody>
+                  <a:tcPr/>
+                </a:tc>
+                <a:tc>
+                  <a:txBody>
+                    <a:bodyPr/>
+                    <a:lstStyle/>
+                    <a:p>
+                      <a:pPr algn="ctr"/>
+                      <a:r>
+                        <a:rPr lang="en-SG" sz="1000" dirty="0"/>
+                        <a:t>Predicted Positive</a:t>
+                      </a:r>
+                    </a:p>
+                  </a:txBody>
+                  <a:tcPr/>
+                </a:tc>
+                <a:tc>
+                  <a:txBody>
+                    <a:bodyPr/>
+                    <a:lstStyle/>
+                    <a:p>
+                      <a:pPr algn="ctr"/>
+                      <a:endParaRPr lang="en-SG" sz="1000" dirty="0"/>
+                    </a:p>
+                  </a:txBody>
+                  <a:tcPr/>
+                </a:tc>
+                <a:tc>
+                  <a:txBody>
+                    <a:bodyPr/>
+                    <a:lstStyle/>
+                    <a:p>
+                      <a:pPr algn="ctr"/>
+                      <a:r>
+                        <a:rPr lang="en-SG" sz="1000" dirty="0"/>
+                        <a:t>Predicted Negative</a:t>
+                      </a:r>
+                    </a:p>
+                  </a:txBody>
+                  <a:tcPr/>
+                </a:tc>
+                <a:tc>
+                  <a:txBody>
+                    <a:bodyPr/>
+                    <a:lstStyle/>
+                    <a:p>
+                      <a:pPr algn="ctr"/>
+                      <a:r>
+                        <a:rPr lang="en-SG" sz="1000" dirty="0"/>
+                        <a:t>Predicted Positive</a:t>
+                      </a:r>
+                    </a:p>
+                  </a:txBody>
+                  <a:tcPr/>
+                </a:tc>
+                <a:tc>
+                  <a:txBody>
+                    <a:bodyPr/>
+                    <a:lstStyle/>
+                    <a:p>
+                      <a:pPr algn="ctr"/>
+                      <a:endParaRPr lang="en-SG" sz="1000" dirty="0"/>
+                    </a:p>
+                  </a:txBody>
+                  <a:tcPr/>
+                </a:tc>
+                <a:tc>
+                  <a:txBody>
+                    <a:bodyPr/>
+                    <a:lstStyle/>
+                    <a:p>
+                      <a:pPr algn="ctr"/>
+                      <a:r>
+                        <a:rPr lang="en-SG" sz="1000" dirty="0"/>
+                        <a:t>Predicted Negative</a:t>
+                      </a:r>
+                    </a:p>
+                  </a:txBody>
+                  <a:tcPr/>
+                </a:tc>
+                <a:tc>
+                  <a:txBody>
+                    <a:bodyPr/>
+                    <a:lstStyle/>
+                    <a:p>
+                      <a:pPr algn="ctr"/>
+                      <a:r>
+                        <a:rPr lang="en-SG" sz="1000" dirty="0"/>
+                        <a:t>Predicted Positive</a:t>
+                      </a:r>
+                    </a:p>
+                  </a:txBody>
+                  <a:tcPr/>
+                </a:tc>
+                <a:extLst>
+                  <a:ext uri="{0D108BD9-81ED-4DB2-BD59-A6C34878D82A}">
+                    <a16:rowId xmlns:a16="http://schemas.microsoft.com/office/drawing/2014/main" val="3682369187"/>
+                  </a:ext>
+                </a:extLst>
+              </a:tr>
+              <a:tr h="370840">
+                <a:tc>
+                  <a:txBody>
+                    <a:bodyPr/>
+                    <a:lstStyle/>
+                    <a:p>
+                      <a:r>
+                        <a:rPr lang="en-SG" sz="1100" dirty="0"/>
+                        <a:t>Actual Negative</a:t>
+                      </a:r>
+                    </a:p>
+                  </a:txBody>
+                  <a:tcPr/>
+                </a:tc>
+                <a:tc>
+                  <a:txBody>
+                    <a:bodyPr/>
+                    <a:lstStyle/>
+                    <a:p>
+                      <a:pPr algn="ctr"/>
+                      <a:r>
+                        <a:rPr lang="en-SG" sz="1100" b="1" dirty="0"/>
+                        <a:t>141</a:t>
+                      </a:r>
+                    </a:p>
+                  </a:txBody>
+                  <a:tcPr/>
+                </a:tc>
+                <a:tc>
+                  <a:txBody>
+                    <a:bodyPr/>
+                    <a:lstStyle/>
+                    <a:p>
+                      <a:pPr algn="ctr"/>
+                      <a:r>
+                        <a:rPr lang="en-SG" sz="1100" dirty="0"/>
+                        <a:t>255</a:t>
+                      </a:r>
+                    </a:p>
+                  </a:txBody>
+                  <a:tcPr/>
+                </a:tc>
+                <a:tc>
+                  <a:txBody>
+                    <a:bodyPr/>
+                    <a:lstStyle/>
+                    <a:p>
+                      <a:pPr algn="ctr"/>
+                      <a:endParaRPr lang="en-SG" sz="1100" dirty="0"/>
+                    </a:p>
+                  </a:txBody>
+                  <a:tcPr/>
+                </a:tc>
+                <a:tc>
+                  <a:txBody>
+                    <a:bodyPr/>
+                    <a:lstStyle/>
+                    <a:p>
+                      <a:pPr algn="ctr"/>
+                      <a:r>
+                        <a:rPr lang="en-SG" sz="1100" b="1" dirty="0"/>
+                        <a:t>775</a:t>
+                      </a:r>
+                    </a:p>
+                  </a:txBody>
+                  <a:tcPr/>
+                </a:tc>
+                <a:tc>
+                  <a:txBody>
+                    <a:bodyPr/>
+                    <a:lstStyle/>
+                    <a:p>
+                      <a:pPr algn="ctr"/>
+                      <a:r>
+                        <a:rPr lang="en-SG" sz="1100" dirty="0"/>
+                        <a:t>16</a:t>
+                      </a:r>
+                    </a:p>
+                  </a:txBody>
+                  <a:tcPr/>
+                </a:tc>
+                <a:tc>
+                  <a:txBody>
+                    <a:bodyPr/>
+                    <a:lstStyle/>
+                    <a:p>
+                      <a:pPr algn="ctr"/>
+                      <a:endParaRPr lang="en-SG" sz="1100" dirty="0"/>
+                    </a:p>
+                  </a:txBody>
+                  <a:tcPr/>
+                </a:tc>
+                <a:tc>
+                  <a:txBody>
+                    <a:bodyPr/>
+                    <a:lstStyle/>
+                    <a:p>
+                      <a:pPr algn="ctr"/>
+                      <a:r>
+                        <a:rPr lang="en-SG" sz="1100" b="1" dirty="0"/>
+                        <a:t>595</a:t>
+                      </a:r>
+                    </a:p>
+                  </a:txBody>
+                  <a:tcPr/>
+                </a:tc>
+                <a:tc>
+                  <a:txBody>
+                    <a:bodyPr/>
+                    <a:lstStyle/>
+                    <a:p>
+                      <a:pPr algn="ctr"/>
+                      <a:r>
+                        <a:rPr lang="en-SG" sz="1100" dirty="0"/>
+                        <a:t>42</a:t>
+                      </a:r>
+                    </a:p>
+                  </a:txBody>
+                  <a:tcPr/>
+                </a:tc>
+                <a:extLst>
+                  <a:ext uri="{0D108BD9-81ED-4DB2-BD59-A6C34878D82A}">
+                    <a16:rowId xmlns:a16="http://schemas.microsoft.com/office/drawing/2014/main" val="4140346401"/>
+                  </a:ext>
+                </a:extLst>
+              </a:tr>
+              <a:tr h="370840">
+                <a:tc>
+                  <a:txBody>
+                    <a:bodyPr/>
+                    <a:lstStyle/>
+                    <a:p>
+                      <a:r>
+                        <a:rPr lang="en-SG" sz="1100" dirty="0"/>
+                        <a:t>Actual Positive</a:t>
+                      </a:r>
+                    </a:p>
+                  </a:txBody>
+                  <a:tcPr/>
+                </a:tc>
+                <a:tc>
+                  <a:txBody>
+                    <a:bodyPr/>
+                    <a:lstStyle/>
+                    <a:p>
+                      <a:pPr algn="ctr"/>
+                      <a:r>
+                        <a:rPr lang="en-SG" sz="1100" dirty="0"/>
+                        <a:t>0</a:t>
+                      </a:r>
+                    </a:p>
+                  </a:txBody>
+                  <a:tcPr/>
+                </a:tc>
+                <a:tc>
+                  <a:txBody>
+                    <a:bodyPr/>
+                    <a:lstStyle/>
+                    <a:p>
+                      <a:pPr algn="ctr"/>
+                      <a:r>
+                        <a:rPr lang="en-SG" sz="1100" b="1" dirty="0"/>
+                        <a:t>635</a:t>
+                      </a:r>
+                    </a:p>
+                  </a:txBody>
+                  <a:tcPr/>
+                </a:tc>
+                <a:tc>
+                  <a:txBody>
+                    <a:bodyPr/>
+                    <a:lstStyle/>
+                    <a:p>
+                      <a:pPr algn="ctr"/>
+                      <a:endParaRPr lang="en-SG" sz="1100" dirty="0"/>
+                    </a:p>
+                  </a:txBody>
+                  <a:tcPr/>
+                </a:tc>
+                <a:tc>
+                  <a:txBody>
+                    <a:bodyPr/>
+                    <a:lstStyle/>
+                    <a:p>
+                      <a:pPr algn="ctr"/>
+                      <a:r>
+                        <a:rPr lang="en-SG" sz="1100" dirty="0"/>
+                        <a:t>102</a:t>
+                      </a:r>
+                    </a:p>
+                  </a:txBody>
+                  <a:tcPr/>
+                </a:tc>
+                <a:tc>
+                  <a:txBody>
+                    <a:bodyPr/>
+                    <a:lstStyle/>
+                    <a:p>
+                      <a:pPr algn="ctr"/>
+                      <a:r>
+                        <a:rPr lang="en-SG" sz="1100" b="1" dirty="0"/>
+                        <a:t>138</a:t>
+                      </a:r>
+                    </a:p>
+                  </a:txBody>
+                  <a:tcPr/>
+                </a:tc>
+                <a:tc>
+                  <a:txBody>
+                    <a:bodyPr/>
+                    <a:lstStyle/>
+                    <a:p>
+                      <a:pPr algn="ctr"/>
+                      <a:endParaRPr lang="en-SG" sz="1100" dirty="0"/>
+                    </a:p>
+                  </a:txBody>
+                  <a:tcPr/>
+                </a:tc>
+                <a:tc>
+                  <a:txBody>
+                    <a:bodyPr/>
+                    <a:lstStyle/>
+                    <a:p>
+                      <a:pPr algn="ctr"/>
+                      <a:r>
+                        <a:rPr lang="en-SG" sz="1100" dirty="0"/>
+                        <a:t>23</a:t>
+                      </a:r>
+                    </a:p>
+                  </a:txBody>
+                  <a:tcPr/>
+                </a:tc>
+                <a:tc>
+                  <a:txBody>
+                    <a:bodyPr/>
+                    <a:lstStyle/>
+                    <a:p>
+                      <a:pPr algn="ctr"/>
+                      <a:r>
+                        <a:rPr lang="en-SG" sz="1100" b="1" dirty="0"/>
+                        <a:t>371</a:t>
+                      </a:r>
+                    </a:p>
+                  </a:txBody>
+                  <a:tcPr/>
+                </a:tc>
+                <a:extLst>
+                  <a:ext uri="{0D108BD9-81ED-4DB2-BD59-A6C34878D82A}">
+                    <a16:rowId xmlns:a16="http://schemas.microsoft.com/office/drawing/2014/main" val="1751802566"/>
+                  </a:ext>
+                </a:extLst>
+              </a:tr>
+            </a:tbl>
+          </a:graphicData>
+        </a:graphic>
+      </p:graphicFrame>
+      <p:graphicFrame>
+        <p:nvGraphicFramePr>
+          <p:cNvPr id="12" name="Table 12">
+            <a:extLst>
+              <a:ext uri="{FF2B5EF4-FFF2-40B4-BE49-F238E27FC236}">
+                <a16:creationId xmlns:a16="http://schemas.microsoft.com/office/drawing/2014/main" id="{CA636CD4-9465-473A-BB4C-A8AB468CA84F}"/>
+              </a:ext>
+            </a:extLst>
+          </p:cNvPr>
+          <p:cNvGraphicFramePr>
+            <a:graphicFrameLocks noGrp="1"/>
+          </p:cNvGraphicFramePr>
+          <p:nvPr/>
+        </p:nvGraphicFramePr>
+        <p:xfrm>
+          <a:off x="393700" y="4006105"/>
+          <a:ext cx="3669203" cy="2057400"/>
+        </p:xfrm>
+        <a:graphic>
+          <a:graphicData uri="http://schemas.openxmlformats.org/drawingml/2006/table">
+            <a:tbl>
+              <a:tblPr firstRow="1" bandRow="1">
+                <a:tableStyleId>{5C22544A-7EE6-4342-B048-85BDC9FD1C3A}</a:tableStyleId>
+              </a:tblPr>
+              <a:tblGrid>
+                <a:gridCol w="921386">
+                  <a:extLst>
+                    <a:ext uri="{9D8B030D-6E8A-4147-A177-3AD203B41FA5}">
+                      <a16:colId xmlns:a16="http://schemas.microsoft.com/office/drawing/2014/main" val="2215555604"/>
+                    </a:ext>
+                  </a:extLst>
+                </a:gridCol>
+                <a:gridCol w="711200">
+                  <a:extLst>
+                    <a:ext uri="{9D8B030D-6E8A-4147-A177-3AD203B41FA5}">
+                      <a16:colId xmlns:a16="http://schemas.microsoft.com/office/drawing/2014/main" val="506274005"/>
+                    </a:ext>
+                  </a:extLst>
+                </a:gridCol>
+                <a:gridCol w="590550">
+                  <a:extLst>
+                    <a:ext uri="{9D8B030D-6E8A-4147-A177-3AD203B41FA5}">
+                      <a16:colId xmlns:a16="http://schemas.microsoft.com/office/drawing/2014/main" val="2972343727"/>
+                    </a:ext>
+                  </a:extLst>
+                </a:gridCol>
+                <a:gridCol w="635000">
+                  <a:extLst>
+                    <a:ext uri="{9D8B030D-6E8A-4147-A177-3AD203B41FA5}">
+                      <a16:colId xmlns:a16="http://schemas.microsoft.com/office/drawing/2014/main" val="1102546851"/>
+                    </a:ext>
+                  </a:extLst>
+                </a:gridCol>
+                <a:gridCol w="811067">
+                  <a:extLst>
+                    <a:ext uri="{9D8B030D-6E8A-4147-A177-3AD203B41FA5}">
+                      <a16:colId xmlns:a16="http://schemas.microsoft.com/office/drawing/2014/main" val="1791058531"/>
+                    </a:ext>
+                  </a:extLst>
+                </a:gridCol>
+              </a:tblGrid>
+              <a:tr h="177656">
+                <a:tc>
+                  <a:txBody>
+                    <a:bodyPr/>
+                    <a:lstStyle/>
+                    <a:p>
+                      <a:endParaRPr lang="en-SG" sz="1000" dirty="0"/>
+                    </a:p>
+                  </a:txBody>
+                  <a:tcPr/>
+                </a:tc>
+                <a:tc>
+                  <a:txBody>
+                    <a:bodyPr/>
+                    <a:lstStyle/>
+                    <a:p>
+                      <a:pPr algn="ctr"/>
+                      <a:r>
+                        <a:rPr lang="en-SG" sz="1000" dirty="0"/>
+                        <a:t>Precision</a:t>
+                      </a:r>
+                    </a:p>
+                  </a:txBody>
+                  <a:tcPr/>
+                </a:tc>
+                <a:tc>
+                  <a:txBody>
+                    <a:bodyPr/>
+                    <a:lstStyle/>
+                    <a:p>
+                      <a:pPr algn="ctr"/>
+                      <a:r>
+                        <a:rPr lang="en-SG" sz="1000" dirty="0"/>
+                        <a:t>Recall</a:t>
+                      </a:r>
+                    </a:p>
+                  </a:txBody>
+                  <a:tcPr/>
+                </a:tc>
+                <a:tc>
+                  <a:txBody>
+                    <a:bodyPr/>
+                    <a:lstStyle/>
+                    <a:p>
+                      <a:pPr algn="ctr"/>
+                      <a:r>
+                        <a:rPr lang="en-SG" sz="1000" dirty="0"/>
+                        <a:t>F1-score</a:t>
+                      </a:r>
+                    </a:p>
+                  </a:txBody>
+                  <a:tcPr/>
+                </a:tc>
+                <a:tc>
+                  <a:txBody>
+                    <a:bodyPr/>
+                    <a:lstStyle/>
+                    <a:p>
+                      <a:pPr algn="ctr"/>
+                      <a:r>
+                        <a:rPr lang="en-SG" sz="1000" dirty="0"/>
+                        <a:t>Support</a:t>
+                      </a:r>
+                    </a:p>
+                  </a:txBody>
+                  <a:tcPr/>
+                </a:tc>
+                <a:extLst>
+                  <a:ext uri="{0D108BD9-81ED-4DB2-BD59-A6C34878D82A}">
+                    <a16:rowId xmlns:a16="http://schemas.microsoft.com/office/drawing/2014/main" val="2775416824"/>
+                  </a:ext>
+                </a:extLst>
+              </a:tr>
+              <a:tr h="0">
+                <a:tc>
+                  <a:txBody>
+                    <a:bodyPr/>
+                    <a:lstStyle/>
+                    <a:p>
+                      <a:r>
+                        <a:rPr lang="en-SG" sz="1000" dirty="0"/>
+                        <a:t>SB</a:t>
+                      </a:r>
+                    </a:p>
+                  </a:txBody>
+                  <a:tcPr/>
+                </a:tc>
+                <a:tc>
+                  <a:txBody>
+                    <a:bodyPr/>
+                    <a:lstStyle/>
+                    <a:p>
+                      <a:pPr algn="ctr"/>
+                      <a:r>
+                        <a:rPr lang="en-SG" sz="1100" dirty="0"/>
+                        <a:t>0.71</a:t>
+                      </a:r>
+                    </a:p>
+                  </a:txBody>
+                  <a:tcPr/>
+                </a:tc>
+                <a:tc>
+                  <a:txBody>
+                    <a:bodyPr/>
+                    <a:lstStyle/>
+                    <a:p>
+                      <a:pPr algn="ctr"/>
+                      <a:r>
+                        <a:rPr lang="en-SG" sz="1100" dirty="0"/>
+                        <a:t>1.00</a:t>
+                      </a:r>
+                    </a:p>
+                  </a:txBody>
+                  <a:tcPr/>
+                </a:tc>
+                <a:tc>
+                  <a:txBody>
+                    <a:bodyPr/>
+                    <a:lstStyle/>
+                    <a:p>
+                      <a:pPr algn="ctr"/>
+                      <a:r>
+                        <a:rPr lang="en-SG" sz="1100" dirty="0"/>
+                        <a:t>0.83</a:t>
+                      </a:r>
+                    </a:p>
+                  </a:txBody>
+                  <a:tcPr/>
+                </a:tc>
+                <a:tc>
+                  <a:txBody>
+                    <a:bodyPr/>
+                    <a:lstStyle/>
+                    <a:p>
+                      <a:pPr algn="ctr"/>
+                      <a:r>
+                        <a:rPr lang="en-SG" sz="1100" dirty="0"/>
+                        <a:t>635</a:t>
+                      </a:r>
+                    </a:p>
+                  </a:txBody>
+                  <a:tcPr/>
+                </a:tc>
+                <a:extLst>
+                  <a:ext uri="{0D108BD9-81ED-4DB2-BD59-A6C34878D82A}">
+                    <a16:rowId xmlns:a16="http://schemas.microsoft.com/office/drawing/2014/main" val="1433973747"/>
+                  </a:ext>
+                </a:extLst>
+              </a:tr>
+              <a:tr h="206164">
+                <a:tc>
+                  <a:txBody>
+                    <a:bodyPr/>
+                    <a:lstStyle/>
+                    <a:p>
+                      <a:r>
+                        <a:rPr lang="en-SG" sz="1000" dirty="0"/>
+                        <a:t>ROW</a:t>
+                      </a:r>
+                    </a:p>
+                  </a:txBody>
+                  <a:tcPr/>
+                </a:tc>
+                <a:tc>
+                  <a:txBody>
+                    <a:bodyPr/>
+                    <a:lstStyle/>
+                    <a:p>
+                      <a:pPr algn="ctr"/>
+                      <a:r>
+                        <a:rPr lang="en-SG" sz="1100" dirty="0"/>
+                        <a:t>0.90</a:t>
+                      </a:r>
+                    </a:p>
+                  </a:txBody>
+                  <a:tcPr/>
+                </a:tc>
+                <a:tc>
+                  <a:txBody>
+                    <a:bodyPr/>
+                    <a:lstStyle/>
+                    <a:p>
+                      <a:pPr algn="ctr"/>
+                      <a:r>
+                        <a:rPr lang="en-SG" sz="1100" dirty="0"/>
+                        <a:t>0.57</a:t>
+                      </a:r>
+                    </a:p>
+                  </a:txBody>
+                  <a:tcPr/>
+                </a:tc>
+                <a:tc>
+                  <a:txBody>
+                    <a:bodyPr/>
+                    <a:lstStyle/>
+                    <a:p>
+                      <a:pPr algn="ctr"/>
+                      <a:r>
+                        <a:rPr lang="en-SG" sz="1100" dirty="0"/>
+                        <a:t>0.70</a:t>
+                      </a:r>
+                    </a:p>
+                  </a:txBody>
+                  <a:tcPr/>
+                </a:tc>
+                <a:tc>
+                  <a:txBody>
+                    <a:bodyPr/>
+                    <a:lstStyle/>
+                    <a:p>
+                      <a:pPr algn="ctr"/>
+                      <a:r>
+                        <a:rPr lang="en-SG" sz="1100" dirty="0"/>
+                        <a:t>240</a:t>
+                      </a:r>
+                    </a:p>
+                  </a:txBody>
+                  <a:tcPr/>
+                </a:tc>
+                <a:extLst>
+                  <a:ext uri="{0D108BD9-81ED-4DB2-BD59-A6C34878D82A}">
+                    <a16:rowId xmlns:a16="http://schemas.microsoft.com/office/drawing/2014/main" val="4090710273"/>
+                  </a:ext>
+                </a:extLst>
+              </a:tr>
+              <a:tr h="162984">
+                <a:tc>
+                  <a:txBody>
+                    <a:bodyPr/>
+                    <a:lstStyle/>
+                    <a:p>
+                      <a:r>
+                        <a:rPr lang="en-SG" sz="1000" dirty="0"/>
+                        <a:t>COL</a:t>
+                      </a:r>
+                    </a:p>
+                  </a:txBody>
+                  <a:tcPr/>
+                </a:tc>
+                <a:tc>
+                  <a:txBody>
+                    <a:bodyPr/>
+                    <a:lstStyle/>
+                    <a:p>
+                      <a:pPr algn="ctr"/>
+                      <a:r>
+                        <a:rPr lang="en-SG" sz="1100" dirty="0"/>
+                        <a:t>0.90</a:t>
+                      </a:r>
+                    </a:p>
+                  </a:txBody>
+                  <a:tcPr/>
+                </a:tc>
+                <a:tc>
+                  <a:txBody>
+                    <a:bodyPr/>
+                    <a:lstStyle/>
+                    <a:p>
+                      <a:pPr algn="ctr"/>
+                      <a:r>
+                        <a:rPr lang="en-SG" sz="1100" dirty="0"/>
+                        <a:t>0.94</a:t>
+                      </a:r>
+                    </a:p>
+                  </a:txBody>
+                  <a:tcPr/>
+                </a:tc>
+                <a:tc>
+                  <a:txBody>
+                    <a:bodyPr/>
+                    <a:lstStyle/>
+                    <a:p>
+                      <a:pPr algn="ctr"/>
+                      <a:r>
+                        <a:rPr lang="en-SG" sz="1100" dirty="0"/>
+                        <a:t>0.92</a:t>
+                      </a:r>
+                    </a:p>
+                  </a:txBody>
+                  <a:tcPr/>
+                </a:tc>
+                <a:tc>
+                  <a:txBody>
+                    <a:bodyPr/>
+                    <a:lstStyle/>
+                    <a:p>
+                      <a:pPr algn="ctr"/>
+                      <a:r>
+                        <a:rPr lang="en-SG" sz="1100" dirty="0"/>
+                        <a:t>394</a:t>
+                      </a:r>
+                    </a:p>
+                  </a:txBody>
+                  <a:tcPr/>
+                </a:tc>
+                <a:extLst>
+                  <a:ext uri="{0D108BD9-81ED-4DB2-BD59-A6C34878D82A}">
+                    <a16:rowId xmlns:a16="http://schemas.microsoft.com/office/drawing/2014/main" val="134738055"/>
+                  </a:ext>
+                </a:extLst>
+              </a:tr>
+              <a:tr h="0">
+                <a:tc>
+                  <a:txBody>
+                    <a:bodyPr/>
+                    <a:lstStyle/>
+                    <a:p>
+                      <a:r>
+                        <a:rPr lang="en-SG" sz="1000" dirty="0"/>
+                        <a:t>Micro </a:t>
+                      </a:r>
+                      <a:r>
+                        <a:rPr lang="en-SG" sz="1000" dirty="0" err="1"/>
+                        <a:t>avg</a:t>
+                      </a:r>
+                      <a:endParaRPr lang="en-SG" sz="1000" dirty="0"/>
+                    </a:p>
+                  </a:txBody>
+                  <a:tcPr/>
+                </a:tc>
+                <a:tc>
+                  <a:txBody>
+                    <a:bodyPr/>
+                    <a:lstStyle/>
+                    <a:p>
+                      <a:pPr algn="ctr"/>
+                      <a:r>
+                        <a:rPr lang="en-SG" sz="1100" dirty="0"/>
+                        <a:t>0.79</a:t>
+                      </a:r>
+                    </a:p>
+                  </a:txBody>
+                  <a:tcPr/>
+                </a:tc>
+                <a:tc>
+                  <a:txBody>
+                    <a:bodyPr/>
+                    <a:lstStyle/>
+                    <a:p>
+                      <a:pPr algn="ctr"/>
+                      <a:r>
+                        <a:rPr lang="en-SG" sz="1100" dirty="0"/>
+                        <a:t>0.90</a:t>
+                      </a:r>
+                    </a:p>
+                  </a:txBody>
+                  <a:tcPr/>
+                </a:tc>
+                <a:tc>
+                  <a:txBody>
+                    <a:bodyPr/>
+                    <a:lstStyle/>
+                    <a:p>
+                      <a:pPr algn="ctr"/>
+                      <a:r>
+                        <a:rPr lang="en-SG" sz="1100" dirty="0"/>
+                        <a:t>0.84</a:t>
+                      </a:r>
+                    </a:p>
+                  </a:txBody>
+                  <a:tcPr/>
+                </a:tc>
+                <a:tc>
+                  <a:txBody>
+                    <a:bodyPr/>
+                    <a:lstStyle/>
+                    <a:p>
+                      <a:pPr algn="ctr"/>
+                      <a:r>
+                        <a:rPr lang="en-SG" sz="1100" dirty="0"/>
+                        <a:t>1269</a:t>
+                      </a:r>
+                    </a:p>
+                  </a:txBody>
+                  <a:tcPr/>
+                </a:tc>
+                <a:extLst>
+                  <a:ext uri="{0D108BD9-81ED-4DB2-BD59-A6C34878D82A}">
+                    <a16:rowId xmlns:a16="http://schemas.microsoft.com/office/drawing/2014/main" val="81339615"/>
+                  </a:ext>
+                </a:extLst>
+              </a:tr>
+              <a:tr h="159174">
+                <a:tc>
+                  <a:txBody>
+                    <a:bodyPr/>
+                    <a:lstStyle/>
+                    <a:p>
+                      <a:r>
+                        <a:rPr lang="en-SG" sz="1000" dirty="0"/>
+                        <a:t>Macro </a:t>
+                      </a:r>
+                      <a:r>
+                        <a:rPr lang="en-SG" sz="1000" dirty="0" err="1"/>
+                        <a:t>avg</a:t>
+                      </a:r>
+                      <a:endParaRPr lang="en-SG" sz="1000" dirty="0"/>
+                    </a:p>
+                  </a:txBody>
+                  <a:tcPr/>
+                </a:tc>
+                <a:tc>
+                  <a:txBody>
+                    <a:bodyPr/>
+                    <a:lstStyle/>
+                    <a:p>
+                      <a:pPr algn="ctr"/>
+                      <a:r>
+                        <a:rPr lang="en-SG" sz="1100" dirty="0"/>
+                        <a:t>0.84</a:t>
+                      </a:r>
+                    </a:p>
+                  </a:txBody>
+                  <a:tcPr/>
+                </a:tc>
+                <a:tc>
+                  <a:txBody>
+                    <a:bodyPr/>
+                    <a:lstStyle/>
+                    <a:p>
+                      <a:pPr algn="ctr"/>
+                      <a:r>
+                        <a:rPr lang="en-SG" sz="1100" dirty="0"/>
+                        <a:t>0.84</a:t>
+                      </a:r>
+                    </a:p>
+                  </a:txBody>
+                  <a:tcPr/>
+                </a:tc>
+                <a:tc>
+                  <a:txBody>
+                    <a:bodyPr/>
+                    <a:lstStyle/>
+                    <a:p>
+                      <a:pPr algn="ctr"/>
+                      <a:r>
+                        <a:rPr lang="en-SG" sz="1100" dirty="0"/>
+                        <a:t>0.82</a:t>
+                      </a:r>
+                    </a:p>
+                  </a:txBody>
+                  <a:tcPr/>
+                </a:tc>
+                <a:tc>
+                  <a:txBody>
+                    <a:bodyPr/>
+                    <a:lstStyle/>
+                    <a:p>
+                      <a:pPr algn="ctr"/>
+                      <a:r>
+                        <a:rPr lang="en-SG" sz="1100" dirty="0"/>
+                        <a:t>1269</a:t>
+                      </a:r>
+                    </a:p>
+                  </a:txBody>
+                  <a:tcPr/>
+                </a:tc>
+                <a:extLst>
+                  <a:ext uri="{0D108BD9-81ED-4DB2-BD59-A6C34878D82A}">
+                    <a16:rowId xmlns:a16="http://schemas.microsoft.com/office/drawing/2014/main" val="413735822"/>
+                  </a:ext>
+                </a:extLst>
+              </a:tr>
+              <a:tr h="0">
+                <a:tc>
+                  <a:txBody>
+                    <a:bodyPr/>
+                    <a:lstStyle/>
+                    <a:p>
+                      <a:r>
+                        <a:rPr lang="en-SG" sz="1000" dirty="0"/>
+                        <a:t>Weighted </a:t>
+                      </a:r>
+                      <a:r>
+                        <a:rPr lang="en-SG" sz="1000" dirty="0" err="1"/>
+                        <a:t>avg</a:t>
+                      </a:r>
+                      <a:endParaRPr lang="en-SG" sz="1000" dirty="0"/>
+                    </a:p>
+                  </a:txBody>
+                  <a:tcPr/>
+                </a:tc>
+                <a:tc>
+                  <a:txBody>
+                    <a:bodyPr/>
+                    <a:lstStyle/>
+                    <a:p>
+                      <a:pPr algn="ctr"/>
+                      <a:r>
+                        <a:rPr lang="en-SG" sz="1100" dirty="0"/>
+                        <a:t>0.81</a:t>
+                      </a:r>
+                    </a:p>
+                  </a:txBody>
+                  <a:tcPr/>
+                </a:tc>
+                <a:tc>
+                  <a:txBody>
+                    <a:bodyPr/>
+                    <a:lstStyle/>
+                    <a:p>
+                      <a:pPr algn="ctr"/>
+                      <a:r>
+                        <a:rPr lang="en-SG" sz="1100" dirty="0"/>
+                        <a:t>0.90</a:t>
+                      </a:r>
+                    </a:p>
+                  </a:txBody>
+                  <a:tcPr/>
+                </a:tc>
+                <a:tc>
+                  <a:txBody>
+                    <a:bodyPr/>
+                    <a:lstStyle/>
+                    <a:p>
+                      <a:pPr algn="ctr"/>
+                      <a:r>
+                        <a:rPr lang="en-SG" sz="1100" dirty="0"/>
+                        <a:t>0.83</a:t>
+                      </a:r>
+                    </a:p>
+                  </a:txBody>
+                  <a:tcPr/>
+                </a:tc>
+                <a:tc>
+                  <a:txBody>
+                    <a:bodyPr/>
+                    <a:lstStyle/>
+                    <a:p>
+                      <a:pPr algn="ctr"/>
+                      <a:r>
+                        <a:rPr lang="en-SG" sz="1100" dirty="0"/>
+                        <a:t>1269</a:t>
+                      </a:r>
+                    </a:p>
+                  </a:txBody>
+                  <a:tcPr/>
+                </a:tc>
+                <a:extLst>
+                  <a:ext uri="{0D108BD9-81ED-4DB2-BD59-A6C34878D82A}">
+                    <a16:rowId xmlns:a16="http://schemas.microsoft.com/office/drawing/2014/main" val="3887720005"/>
+                  </a:ext>
+                </a:extLst>
+              </a:tr>
+              <a:tr h="0">
+                <a:tc>
+                  <a:txBody>
+                    <a:bodyPr/>
+                    <a:lstStyle/>
+                    <a:p>
+                      <a:r>
+                        <a:rPr lang="en-SG" sz="1000" dirty="0"/>
+                        <a:t>Samples </a:t>
+                      </a:r>
+                      <a:r>
+                        <a:rPr lang="en-SG" sz="1000" dirty="0" err="1"/>
+                        <a:t>avg</a:t>
+                      </a:r>
+                      <a:endParaRPr lang="en-SG" sz="1000" dirty="0"/>
+                    </a:p>
+                  </a:txBody>
+                  <a:tcPr/>
+                </a:tc>
+                <a:tc>
+                  <a:txBody>
+                    <a:bodyPr/>
+                    <a:lstStyle/>
+                    <a:p>
+                      <a:pPr algn="ctr"/>
+                      <a:r>
+                        <a:rPr lang="en-SG" sz="1100" dirty="0"/>
+                        <a:t>0.79</a:t>
+                      </a:r>
+                    </a:p>
+                  </a:txBody>
+                  <a:tcPr/>
+                </a:tc>
+                <a:tc>
+                  <a:txBody>
+                    <a:bodyPr/>
+                    <a:lstStyle/>
+                    <a:p>
+                      <a:pPr algn="ctr"/>
+                      <a:r>
+                        <a:rPr lang="en-SG" sz="1100" dirty="0"/>
+                        <a:t>0.84</a:t>
+                      </a:r>
+                    </a:p>
+                  </a:txBody>
+                  <a:tcPr/>
+                </a:tc>
+                <a:tc>
+                  <a:txBody>
+                    <a:bodyPr/>
+                    <a:lstStyle/>
+                    <a:p>
+                      <a:pPr algn="ctr"/>
+                      <a:r>
+                        <a:rPr lang="en-SG" sz="1100" dirty="0"/>
+                        <a:t>0.80</a:t>
+                      </a:r>
+                    </a:p>
+                  </a:txBody>
+                  <a:tcPr/>
+                </a:tc>
+                <a:tc>
+                  <a:txBody>
+                    <a:bodyPr/>
+                    <a:lstStyle/>
+                    <a:p>
+                      <a:pPr algn="ctr"/>
+                      <a:r>
+                        <a:rPr lang="en-SG" sz="1100" dirty="0"/>
+                        <a:t>1269</a:t>
+                      </a:r>
+                    </a:p>
+                  </a:txBody>
+                  <a:tcPr/>
+                </a:tc>
+                <a:extLst>
+                  <a:ext uri="{0D108BD9-81ED-4DB2-BD59-A6C34878D82A}">
+                    <a16:rowId xmlns:a16="http://schemas.microsoft.com/office/drawing/2014/main" val="2646191725"/>
+                  </a:ext>
+                </a:extLst>
+              </a:tr>
+            </a:tbl>
+          </a:graphicData>
+        </a:graphic>
+      </p:graphicFrame>
     </p:spTree>
     <p:extLst>
       <p:ext uri="{BB962C8B-B14F-4D97-AF65-F5344CB8AC3E}">
-        <p14:creationId xmlns:p14="http://schemas.microsoft.com/office/powerpoint/2010/main" val="708910214"/>
+        <p14:creationId xmlns:p14="http://schemas.microsoft.com/office/powerpoint/2010/main" val="725341953"/>
       </p:ext>
     </p:extLst>
   </p:cSld>
@@ -6811,7 +7825,7 @@
           </a:p>
           <a:p>
             <a:r>
-              <a:rPr lang="en-MY" dirty="0" smtClean="0">
+              <a:rPr lang="en-MY" dirty="0">
                 <a:solidFill>
                   <a:schemeClr val="bg1"/>
                 </a:solidFill>
@@ -6821,7 +7835,7 @@
           </a:p>
           <a:p>
             <a:r>
-              <a:rPr lang="en-MY" dirty="0" smtClean="0">
+              <a:rPr lang="en-MY" dirty="0">
                 <a:solidFill>
                   <a:schemeClr val="bg1"/>
                 </a:solidFill>
@@ -6832,7 +7846,7 @@
           <a:p>
             <a:pPr lvl="1"/>
             <a:r>
-              <a:rPr lang="en-MY" dirty="0" smtClean="0">
+              <a:rPr lang="en-MY" dirty="0">
                 <a:solidFill>
                   <a:schemeClr val="bg1"/>
                 </a:solidFill>
@@ -6843,18 +7857,13 @@
           <a:p>
             <a:pPr lvl="1"/>
             <a:r>
-              <a:rPr lang="en-MY" dirty="0" smtClean="0">
+              <a:rPr lang="en-MY" dirty="0">
                 <a:solidFill>
                   <a:schemeClr val="bg1"/>
                 </a:solidFill>
               </a:rPr>
               <a:t>For MLP and SVM, it will repeat with bagging (#estimator = 10)</a:t>
             </a:r>
-            <a:endParaRPr lang="en-MY" dirty="0">
-              <a:solidFill>
-                <a:schemeClr val="bg1"/>
-              </a:solidFill>
-            </a:endParaRPr>
           </a:p>
         </p:txBody>
       </p:sp>
@@ -7225,7 +8234,7 @@
           <a:lstStyle/>
           <a:p>
             <a:r>
-              <a:rPr lang="en-MY" dirty="0" smtClean="0">
+              <a:rPr lang="en-MY" dirty="0">
                 <a:ln w="0">
                   <a:solidFill>
                     <a:srgbClr val="0070C0"/>
@@ -7250,29 +8259,6 @@
               </a:rPr>
               <a:t>Conclusion</a:t>
             </a:r>
-            <a:endParaRPr lang="en-MY" dirty="0">
-              <a:ln w="0">
-                <a:solidFill>
-                  <a:srgbClr val="0070C0"/>
-                </a:solidFill>
-              </a:ln>
-              <a:solidFill>
-                <a:schemeClr val="bg1"/>
-              </a:solidFill>
-              <a:effectLst>
-                <a:glow rad="139700">
-                  <a:schemeClr val="accent5">
-                    <a:lumMod val="50000"/>
-                    <a:alpha val="40000"/>
-                  </a:schemeClr>
-                </a:glow>
-                <a:outerShdw blurRad="38100" dist="25400" dir="5400000" algn="ctr" rotWithShape="0">
-                  <a:srgbClr val="6E747A">
-                    <a:alpha val="43000"/>
-                  </a:srgbClr>
-                </a:outerShdw>
-              </a:effectLst>
-            </a:endParaRPr>
           </a:p>
         </p:txBody>
       </p:sp>
@@ -7526,7 +8512,7 @@
           <a:lstStyle/>
           <a:p>
             <a:r>
-              <a:rPr lang="en-MY" dirty="0" smtClean="0">
+              <a:rPr lang="en-MY" dirty="0">
                 <a:solidFill>
                   <a:schemeClr val="bg1"/>
                 </a:solidFill>
@@ -7536,60 +8522,23 @@
           </a:p>
           <a:p>
             <a:r>
-              <a:rPr lang="en-MY" dirty="0" smtClean="0">
-                <a:solidFill>
-                  <a:schemeClr val="bg1"/>
-                </a:solidFill>
-              </a:rPr>
-              <a:t>In </a:t>
-            </a:r>
-            <a:r>
               <a:rPr lang="en-MY" dirty="0">
                 <a:solidFill>
                   <a:schemeClr val="bg1"/>
                 </a:solidFill>
               </a:rPr>
-              <a:t>Memory </a:t>
-            </a:r>
-            <a:r>
-              <a:rPr lang="en-MY" dirty="0" smtClean="0">
-                <a:solidFill>
-                  <a:schemeClr val="bg1"/>
-                </a:solidFill>
-              </a:rPr>
-              <a:t>Chip </a:t>
-            </a:r>
+              <a:t>In Memory Chip testing, a number of electronic tests are conducted using the programmable automatic electronic tester.</a:t>
+            </a:r>
+          </a:p>
+          <a:p>
             <a:r>
               <a:rPr lang="en-MY" dirty="0">
                 <a:solidFill>
                   <a:schemeClr val="bg1"/>
                 </a:solidFill>
               </a:rPr>
-              <a:t>testing, a number of electronic tests are conducted using the programmable automatic electronic tester.</a:t>
-            </a:r>
-          </a:p>
-          <a:p>
-            <a:r>
-              <a:rPr lang="en-MY" dirty="0">
-                <a:solidFill>
-                  <a:schemeClr val="bg1"/>
-                </a:solidFill>
-              </a:rPr>
-              <a:t>Electronic testing is used not only to sort out chip failures, its results can also be used to find out the locations of failure inside the array. This will then help to identify the root cause of the failures</a:t>
-            </a:r>
-            <a:r>
-              <a:rPr lang="en-MY" dirty="0" smtClean="0">
-                <a:solidFill>
-                  <a:schemeClr val="bg1"/>
-                </a:solidFill>
-              </a:rPr>
-              <a:t>. For example, the source of the failure could be due to the lithography process prior to the chip testing.</a:t>
-            </a:r>
-            <a:endParaRPr lang="en-MY" dirty="0">
-              <a:solidFill>
-                <a:schemeClr val="bg1"/>
-              </a:solidFill>
-            </a:endParaRPr>
+              <a:t>Electronic testing is used not only to sort out chip failures, its results can also be used to find out the locations of failure inside the array. This will then help to identify the root cause of the failures. For example, the source of the failure could be due to the lithography process prior to the chip testing.</a:t>
+            </a:r>
           </a:p>
           <a:p>
             <a:r>
@@ -7613,13 +8562,6 @@
   <p:clrMapOvr>
     <a:masterClrMapping/>
   </p:clrMapOvr>
-  <p:timing>
-    <p:tnLst>
-      <p:par>
-        <p:cTn id="1" dur="indefinite" restart="never" nodeType="tmRoot"/>
-      </p:par>
-    </p:tnLst>
-  </p:timing>
 </p:sld>
 </file>
 
@@ -7821,29 +8763,8 @@
                   <a:schemeClr val="bg1"/>
                 </a:solidFill>
               </a:rPr>
-              <a:t>As part of yield enhancement, the focus is to probe for single bit (SB), row (ROW) and column (COL) failures inside the DRAM chips. The failures may happen as a combination</a:t>
-            </a:r>
-            <a:r>
-              <a:rPr lang="en-MY" dirty="0" smtClean="0">
-                <a:solidFill>
-                  <a:schemeClr val="bg1"/>
-                </a:solidFill>
-              </a:rPr>
-              <a:t>. SB failure </a:t>
-            </a:r>
-            <a:r>
-              <a:rPr lang="en-MY" dirty="0" smtClean="0">
-                <a:solidFill>
-                  <a:schemeClr val="bg1"/>
-                </a:solidFill>
-              </a:rPr>
-              <a:t>is attributed to one memory cell; ROW can be due to Word Line Input failures, COL can be due to Sense Amplifier failures.</a:t>
-            </a:r>
-            <a:endParaRPr lang="en-MY" dirty="0">
-              <a:solidFill>
-                <a:schemeClr val="bg1"/>
-              </a:solidFill>
-            </a:endParaRPr>
+              <a:t>As part of yield enhancement, the focus is to probe for single bit (SB), row (ROW) and column (COL) failures inside the DRAM chips. The failures may happen as a combination. SB failure is attributed to one memory cell; ROW can be due to Word Line Input failures, COL can be due to Sense Amplifier failures.</a:t>
+            </a:r>
           </a:p>
           <a:p>
             <a:r>
@@ -7852,23 +8773,7 @@
                   <a:schemeClr val="bg1"/>
                 </a:solidFill>
               </a:rPr>
-              <a:t>Hence, it is hard to predict the nature of failures and currently, most of the verifications are done via manual inspection (after the </a:t>
-            </a:r>
-            <a:r>
-              <a:rPr lang="en-MY" dirty="0" smtClean="0">
-                <a:solidFill>
-                  <a:schemeClr val="bg1"/>
-                </a:solidFill>
-              </a:rPr>
-              <a:t>chip </a:t>
-            </a:r>
-            <a:r>
-              <a:rPr lang="en-MY" dirty="0">
-                <a:solidFill>
-                  <a:schemeClr val="bg1"/>
-                </a:solidFill>
-              </a:rPr>
-              <a:t>is de-capsuled).</a:t>
+              <a:t>Hence, it is hard to predict the nature of failures and currently, most of the verifications are done via manual inspection (after the chip is de-capsuled).</a:t>
             </a:r>
           </a:p>
         </p:txBody>
@@ -7883,13 +8788,6 @@
   <p:clrMapOvr>
     <a:masterClrMapping/>
   </p:clrMapOvr>
-  <p:timing>
-    <p:tnLst>
-      <p:par>
-        <p:cTn id="1" dur="indefinite" restart="never" nodeType="tmRoot"/>
-      </p:par>
-    </p:tnLst>
-  </p:timing>
 </p:sld>
 </file>
 
@@ -8083,47 +8981,35 @@
                   <a:schemeClr val="bg1"/>
                 </a:solidFill>
               </a:rPr>
-              <a:t>A Data Set comprising </a:t>
-            </a:r>
-            <a:r>
-              <a:rPr lang="en-MY" dirty="0" smtClean="0">
-                <a:solidFill>
-                  <a:schemeClr val="bg1"/>
-                </a:solidFill>
-              </a:rPr>
-              <a:t>chip </a:t>
-            </a:r>
+              <a:t>A Data Set comprising chip testing data from 58 tests (58 features) and inspected failing mechanisms (3 classes, namely SB, COL, ROW) has been gathered.</a:t>
+            </a:r>
+          </a:p>
+          <a:p>
             <a:r>
               <a:rPr lang="en-MY" dirty="0">
                 <a:solidFill>
                   <a:schemeClr val="bg1"/>
                 </a:solidFill>
               </a:rPr>
-              <a:t>testing data from 58 tests (58 features) and inspected failing mechanisms </a:t>
-            </a:r>
-            <a:r>
-              <a:rPr lang="en-MY" dirty="0" smtClean="0">
-                <a:solidFill>
-                  <a:schemeClr val="bg1"/>
-                </a:solidFill>
-              </a:rPr>
-              <a:t>(3 </a:t>
-            </a:r>
+              <a:t>A Hybrid Classification Model is built with a capability to select the best solution presented by three techniques, namely Decision-Tree, Multi-layer Perceptron and SVM. </a:t>
+            </a:r>
+          </a:p>
+          <a:p>
             <a:r>
               <a:rPr lang="en-MY" dirty="0">
                 <a:solidFill>
                   <a:schemeClr val="bg1"/>
                 </a:solidFill>
               </a:rPr>
-              <a:t>classes, namely </a:t>
-            </a:r>
-            <a:r>
-              <a:rPr lang="en-MY" dirty="0" smtClean="0">
-                <a:solidFill>
-                  <a:schemeClr val="bg1"/>
-                </a:solidFill>
-              </a:rPr>
-              <a:t>SB</a:t>
+              <a:t>The Competitive Agent in the model compares the accuracy, feature-to-class correlation and assigns penalty for severe </a:t>
+            </a:r>
+            <a:r>
+              <a:rPr lang="en-MY" dirty="0" err="1">
+                <a:solidFill>
+                  <a:schemeClr val="bg1"/>
+                </a:solidFill>
+              </a:rPr>
+              <a:t>mis</a:t>
             </a:r>
             <a:r>
               <a:rPr lang="en-MY" dirty="0">
@@ -8131,89 +9017,8 @@
                   <a:schemeClr val="bg1"/>
                 </a:solidFill>
               </a:rPr>
-              <a:t>, </a:t>
-            </a:r>
-            <a:r>
-              <a:rPr lang="en-MY" dirty="0" smtClean="0">
-                <a:solidFill>
-                  <a:schemeClr val="bg1"/>
-                </a:solidFill>
-              </a:rPr>
-              <a:t>COL, ROW) </a:t>
-            </a:r>
-            <a:r>
-              <a:rPr lang="en-MY" dirty="0">
-                <a:solidFill>
-                  <a:schemeClr val="bg1"/>
-                </a:solidFill>
-              </a:rPr>
-              <a:t>has been gathered.</a:t>
-            </a:r>
-          </a:p>
-          <a:p>
-            <a:r>
-              <a:rPr lang="en-MY" dirty="0">
-                <a:solidFill>
-                  <a:schemeClr val="bg1"/>
-                </a:solidFill>
-              </a:rPr>
-              <a:t>A Hybrid Classification Model is built with a capability to select the best solution presented by three techniques, namely </a:t>
-            </a:r>
-            <a:r>
-              <a:rPr lang="en-MY" dirty="0" smtClean="0">
-                <a:solidFill>
-                  <a:schemeClr val="bg1"/>
-                </a:solidFill>
-              </a:rPr>
-              <a:t>Decision-Tree, </a:t>
-            </a:r>
-            <a:r>
-              <a:rPr lang="en-MY" dirty="0">
-                <a:solidFill>
-                  <a:schemeClr val="bg1"/>
-                </a:solidFill>
-              </a:rPr>
-              <a:t>Multi-layer Perceptron and SVM. </a:t>
-            </a:r>
-          </a:p>
-          <a:p>
-            <a:r>
-              <a:rPr lang="en-MY" dirty="0">
-                <a:solidFill>
-                  <a:schemeClr val="bg1"/>
-                </a:solidFill>
-              </a:rPr>
-              <a:t>The Competitive Agent in the model compares the accuracy, feature-to-class correlation and assigns penalty for severe </a:t>
-            </a:r>
-            <a:r>
-              <a:rPr lang="en-MY" dirty="0" err="1">
-                <a:solidFill>
-                  <a:schemeClr val="bg1"/>
-                </a:solidFill>
-              </a:rPr>
-              <a:t>mis</a:t>
-            </a:r>
-            <a:r>
-              <a:rPr lang="en-MY" dirty="0">
-                <a:solidFill>
-                  <a:schemeClr val="bg1"/>
-                </a:solidFill>
-              </a:rPr>
-              <a:t>-classification </a:t>
-            </a:r>
-            <a:r>
-              <a:rPr lang="en-MY" dirty="0" smtClean="0">
-                <a:solidFill>
-                  <a:schemeClr val="bg1"/>
-                </a:solidFill>
-              </a:rPr>
-              <a:t>according to the Confusion Matrix results.</a:t>
-            </a:r>
-            <a:endParaRPr lang="en-MY" dirty="0">
-              <a:solidFill>
-                <a:schemeClr val="bg1"/>
-              </a:solidFill>
-            </a:endParaRPr>
+              <a:t>-classification according to the Confusion Matrix results.</a:t>
+            </a:r>
           </a:p>
         </p:txBody>
       </p:sp>
@@ -8425,31 +9230,18 @@
                   <a:schemeClr val="bg1"/>
                 </a:solidFill>
               </a:rPr>
-              <a:t>The Hybrid Classification Model employs three techniques, namely the  Decision Tree, MLP, and SVM</a:t>
-            </a:r>
-            <a:r>
-              <a:rPr lang="en-MY" dirty="0" smtClean="0">
-                <a:solidFill>
-                  <a:schemeClr val="bg1"/>
-                </a:solidFill>
-              </a:rPr>
-              <a:t>.</a:t>
-            </a:r>
-          </a:p>
-          <a:p>
-            <a:r>
-              <a:rPr lang="en-MY" dirty="0" smtClean="0">
+              <a:t>The Hybrid Classification Model employs three techniques, namely the  Decision Tree, MLP, and SVM.</a:t>
+            </a:r>
+          </a:p>
+          <a:p>
+            <a:r>
+              <a:rPr lang="en-MY" dirty="0">
                 <a:solidFill>
                   <a:schemeClr val="bg1"/>
                 </a:solidFill>
               </a:rPr>
               <a:t>Random Forest is deployed as an Ensemble technique to improve the performance of the Decision Tree.</a:t>
             </a:r>
-            <a:endParaRPr lang="en-MY" dirty="0">
-              <a:solidFill>
-                <a:schemeClr val="bg1"/>
-              </a:solidFill>
-            </a:endParaRPr>
           </a:p>
           <a:p>
             <a:r>
@@ -8458,23 +9250,7 @@
                   <a:schemeClr val="bg1"/>
                 </a:solidFill>
               </a:rPr>
-              <a:t>The solutions from all techniques </a:t>
-            </a:r>
-            <a:r>
-              <a:rPr lang="en-MY" dirty="0" smtClean="0">
-                <a:solidFill>
-                  <a:schemeClr val="bg1"/>
-                </a:solidFill>
-              </a:rPr>
-              <a:t>finally go </a:t>
-            </a:r>
-            <a:r>
-              <a:rPr lang="en-MY" dirty="0">
-                <a:solidFill>
-                  <a:schemeClr val="bg1"/>
-                </a:solidFill>
-              </a:rPr>
-              <a:t>through the Competitive Agent so that the optimal solution is selected.</a:t>
+              <a:t>The solutions from all techniques finally go through the Competitive Agent so that the optimal solution is selected.</a:t>
             </a:r>
           </a:p>
         </p:txBody>
@@ -8519,7 +9295,7 @@
           <a:p>
             <a:pPr algn="ctr"/>
             <a:r>
-              <a:rPr lang="en-US" dirty="0" smtClean="0">
+              <a:rPr lang="en-US" dirty="0">
                 <a:solidFill>
                   <a:schemeClr val="accent1">
                     <a:lumMod val="75000"/>
@@ -8528,13 +9304,6 @@
               </a:rPr>
               <a:t>Random Forest</a:t>
             </a:r>
-            <a:endParaRPr lang="en-US" dirty="0">
-              <a:solidFill>
-                <a:schemeClr val="accent1">
-                  <a:lumMod val="75000"/>
-                </a:schemeClr>
-              </a:solidFill>
-            </a:endParaRPr>
           </a:p>
         </p:txBody>
       </p:sp>
@@ -8578,7 +9347,7 @@
           <a:p>
             <a:pPr algn="ctr"/>
             <a:r>
-              <a:rPr lang="en-US" dirty="0" smtClean="0">
+              <a:rPr lang="en-US" dirty="0">
                 <a:solidFill>
                   <a:schemeClr val="accent1">
                     <a:lumMod val="75000"/>
@@ -8587,13 +9356,6 @@
               </a:rPr>
               <a:t>SVM</a:t>
             </a:r>
-            <a:endParaRPr lang="en-US" dirty="0">
-              <a:solidFill>
-                <a:schemeClr val="accent1">
-                  <a:lumMod val="75000"/>
-                </a:schemeClr>
-              </a:solidFill>
-            </a:endParaRPr>
           </a:p>
         </p:txBody>
       </p:sp>
@@ -8637,7 +9399,7 @@
           <a:p>
             <a:pPr algn="ctr"/>
             <a:r>
-              <a:rPr lang="en-US" dirty="0" smtClean="0">
+              <a:rPr lang="en-US" dirty="0">
                 <a:solidFill>
                   <a:schemeClr val="accent1">
                     <a:lumMod val="75000"/>
@@ -8646,13 +9408,6 @@
               </a:rPr>
               <a:t>MLP</a:t>
             </a:r>
-            <a:endParaRPr lang="en-US" dirty="0">
-              <a:solidFill>
-                <a:schemeClr val="accent1">
-                  <a:lumMod val="75000"/>
-                </a:schemeClr>
-              </a:solidFill>
-            </a:endParaRPr>
           </a:p>
         </p:txBody>
       </p:sp>
@@ -8696,7 +9451,7 @@
           <a:p>
             <a:pPr algn="ctr"/>
             <a:r>
-              <a:rPr lang="en-US" dirty="0" smtClean="0">
+              <a:rPr lang="en-US" dirty="0">
                 <a:solidFill>
                   <a:schemeClr val="accent1">
                     <a:lumMod val="75000"/>
@@ -8705,13 +9460,6 @@
               </a:rPr>
               <a:t>Competitive Agent</a:t>
             </a:r>
-            <a:endParaRPr lang="en-US" dirty="0">
-              <a:solidFill>
-                <a:schemeClr val="accent1">
-                  <a:lumMod val="75000"/>
-                </a:schemeClr>
-              </a:solidFill>
-            </a:endParaRPr>
           </a:p>
         </p:txBody>
       </p:sp>
@@ -9255,57 +10003,8 @@
                   </a:outerShdw>
                 </a:effectLst>
               </a:rPr>
-              <a:t>Data </a:t>
-            </a:r>
-            <a:r>
-              <a:rPr lang="en-MY" dirty="0" smtClean="0">
-                <a:ln w="0">
-                  <a:solidFill>
-                    <a:srgbClr val="0070C0"/>
-                  </a:solidFill>
-                </a:ln>
-                <a:solidFill>
-                  <a:schemeClr val="bg1"/>
-                </a:solidFill>
-                <a:effectLst>
-                  <a:glow rad="139700">
-                    <a:schemeClr val="accent5">
-                      <a:lumMod val="50000"/>
-                      <a:alpha val="40000"/>
-                    </a:schemeClr>
-                  </a:glow>
-                  <a:outerShdw blurRad="38100" dist="25400" dir="5400000" algn="ctr" rotWithShape="0">
-                    <a:srgbClr val="6E747A">
-                      <a:alpha val="43000"/>
-                    </a:srgbClr>
-                  </a:outerShdw>
-                </a:effectLst>
-              </a:rPr>
-              <a:t>Set – Pre-Process</a:t>
-            </a:r>
-            <a:endParaRPr lang="en-MY" dirty="0">
-              <a:ln w="0">
-                <a:solidFill>
-                  <a:srgbClr val="0070C0"/>
-                </a:solidFill>
-              </a:ln>
-              <a:solidFill>
-                <a:schemeClr val="bg1"/>
-              </a:solidFill>
-              <a:effectLst>
-                <a:glow rad="139700">
-                  <a:schemeClr val="accent5">
-                    <a:lumMod val="50000"/>
-                    <a:alpha val="40000"/>
-                  </a:schemeClr>
-                </a:glow>
-                <a:outerShdw blurRad="38100" dist="25400" dir="5400000" algn="ctr" rotWithShape="0">
-                  <a:srgbClr val="6E747A">
-                    <a:alpha val="43000"/>
-                  </a:srgbClr>
-                </a:outerShdw>
-              </a:effectLst>
-            </a:endParaRPr>
+              <a:t>Data Set – Pre-Process</a:t>
+            </a:r>
           </a:p>
         </p:txBody>
       </p:sp>
@@ -9334,7 +10033,7 @@
               <a:buNone/>
             </a:pPr>
             <a:r>
-              <a:rPr lang="en-MY" dirty="0" smtClean="0">
+              <a:rPr lang="en-MY" dirty="0">
                 <a:solidFill>
                   <a:schemeClr val="bg1"/>
                 </a:solidFill>
@@ -9345,7 +10044,7 @@
           <a:p>
             <a:pPr lvl="1"/>
             <a:r>
-              <a:rPr lang="en-MY" dirty="0" smtClean="0">
+              <a:rPr lang="en-MY" dirty="0">
                 <a:solidFill>
                   <a:schemeClr val="bg1"/>
                 </a:solidFill>
@@ -9356,7 +10055,7 @@
           <a:p>
             <a:pPr lvl="1"/>
             <a:r>
-              <a:rPr lang="en-MY" dirty="0" smtClean="0">
+              <a:rPr lang="en-MY" dirty="0">
                 <a:solidFill>
                   <a:schemeClr val="bg1"/>
                 </a:solidFill>
@@ -9366,7 +10065,7 @@
           </a:p>
           <a:p>
             <a:pPr lvl="1"/>
-            <a:endParaRPr lang="en-MY" dirty="0" smtClean="0">
+            <a:endParaRPr lang="en-MY" dirty="0">
               <a:solidFill>
                 <a:schemeClr val="bg1"/>
               </a:solidFill>
@@ -9374,7 +10073,7 @@
           </a:p>
           <a:p>
             <a:pPr lvl="1"/>
-            <a:endParaRPr lang="en-MY" dirty="0" smtClean="0">
+            <a:endParaRPr lang="en-MY" dirty="0">
               <a:solidFill>
                 <a:schemeClr val="bg1"/>
               </a:solidFill>
@@ -12538,8 +13237,8 @@
         </p:nvSpPr>
         <p:spPr>
           <a:xfrm>
-            <a:off x="6438902" y="1372817"/>
-            <a:ext cx="5286375" cy="5632311"/>
+            <a:off x="6438902" y="1791191"/>
+            <a:ext cx="5286375" cy="4154984"/>
           </a:xfrm>
           <a:prstGeom prst="rect">
             <a:avLst/>
@@ -12579,7 +13278,42 @@
                 </a:solidFill>
                 <a:latin typeface="Helvetica" panose="020B0604020202020204" pitchFamily="34" charset="0"/>
               </a:rPr>
-              <a:t>Does adding a 2</a:t>
+              <a:t>ADDITIONAL EXPERIMENTS</a:t>
+            </a:r>
+          </a:p>
+          <a:p>
+            <a:pPr eaLnBrk="0" fontAlgn="base" hangingPunct="0">
+              <a:spcBef>
+                <a:spcPct val="0"/>
+              </a:spcBef>
+              <a:spcAft>
+                <a:spcPct val="0"/>
+              </a:spcAft>
+            </a:pPr>
+            <a:endParaRPr lang="en-SG" sz="1200" u="sng" dirty="0">
+              <a:solidFill>
+                <a:schemeClr val="bg1"/>
+              </a:solidFill>
+              <a:latin typeface="Helvetica" panose="020B0604020202020204" pitchFamily="34" charset="0"/>
+            </a:endParaRPr>
+          </a:p>
+          <a:p>
+            <a:pPr eaLnBrk="0" fontAlgn="base" hangingPunct="0">
+              <a:spcBef>
+                <a:spcPct val="0"/>
+              </a:spcBef>
+              <a:spcAft>
+                <a:spcPct val="0"/>
+              </a:spcAft>
+            </a:pPr>
+            <a:r>
+              <a:rPr lang="en-SG" sz="1200" u="sng" dirty="0">
+                <a:solidFill>
+                  <a:schemeClr val="bg1"/>
+                </a:solidFill>
+                <a:latin typeface="Helvetica" panose="020B0604020202020204" pitchFamily="34" charset="0"/>
+              </a:rPr>
+              <a:t>1. Does adding a 2</a:t>
             </a:r>
             <a:r>
               <a:rPr lang="en-SG" sz="1200" u="sng" baseline="30000" dirty="0">
@@ -12721,7 +13455,25 @@
                 </a:solidFill>
                 <a:latin typeface="Helvetica" panose="020B0604020202020204" pitchFamily="34" charset="0"/>
               </a:rPr>
-              <a:t> layer didn’t increase model accuracy.</a:t>
+              <a:t> layer </a:t>
+            </a:r>
+            <a:r>
+              <a:rPr lang="en-SG" sz="1200" b="1" u="sng" dirty="0">
+                <a:solidFill>
+                  <a:schemeClr val="bg1"/>
+                </a:solidFill>
+                <a:latin typeface="Helvetica" panose="020B0604020202020204" pitchFamily="34" charset="0"/>
+              </a:rPr>
+              <a:t>didn’t increase model accuracy</a:t>
+            </a:r>
+            <a:r>
+              <a:rPr lang="en-SG" sz="1200" dirty="0">
+                <a:solidFill>
+                  <a:schemeClr val="bg1"/>
+                </a:solidFill>
+                <a:latin typeface="Helvetica" panose="020B0604020202020204" pitchFamily="34" charset="0"/>
+              </a:rPr>
+              <a:t>.</a:t>
             </a:r>
           </a:p>
           <a:p>
@@ -12756,7 +13508,7 @@
                 </a:solidFill>
                 <a:latin typeface="Helvetica" panose="020B0604020202020204" pitchFamily="34" charset="0"/>
               </a:rPr>
-              <a:t>Note: We omitted these codes in the submitted documents because of very long training time required.</a:t>
+              <a:t>Note: We commented out these codes in the submitted documents because of the long training time required to run the codes</a:t>
             </a:r>
           </a:p>
           <a:p>
@@ -12791,7 +13543,7 @@
                 </a:solidFill>
                 <a:latin typeface="Helvetica" panose="020B0604020202020204" pitchFamily="34" charset="0"/>
               </a:rPr>
-              <a:t>Does combining a few estimators to form an ensemble estimator increase accuracy?</a:t>
+              <a:t>2. Does combining a few estimators to form an ensemble estimator increase accuracy?</a:t>
             </a:r>
           </a:p>
           <a:p>
@@ -12897,18 +13649,17 @@
                 </a:solidFill>
                 <a:latin typeface="Helvetica" panose="020B0604020202020204" pitchFamily="34" charset="0"/>
               </a:rPr>
-              <a:t>We found that the ensemble estimator didn’t increase model accuracy.</a:t>
-            </a:r>
-          </a:p>
-          <a:p>
-            <a:pPr eaLnBrk="0" fontAlgn="base" hangingPunct="0">
-              <a:spcBef>
-                <a:spcPct val="0"/>
-              </a:spcBef>
-              <a:spcAft>
-                <a:spcPct val="0"/>
-              </a:spcAft>
-            </a:pPr>
+              <a:t>We found that the ensemble estimator </a:t>
+            </a:r>
+            <a:r>
+              <a:rPr lang="en-SG" sz="1200" b="1" u="sng" dirty="0">
+                <a:solidFill>
+                  <a:schemeClr val="bg1"/>
+                </a:solidFill>
+                <a:latin typeface="Helvetica" panose="020B0604020202020204" pitchFamily="34" charset="0"/>
+              </a:rPr>
+              <a:t>didn’t increase model accuracy</a:t>
+            </a:r>
             <a:r>
               <a:rPr lang="en-SG" sz="1200" dirty="0">
                 <a:solidFill>
@@ -12916,184 +13667,8 @@
                 </a:solidFill>
                 <a:latin typeface="Helvetica" panose="020B0604020202020204" pitchFamily="34" charset="0"/>
               </a:rPr>
-              <a:t>Model</a:t>
-            </a:r>
-          </a:p>
-          <a:p>
-            <a:pPr eaLnBrk="0" fontAlgn="base" hangingPunct="0">
-              <a:spcBef>
-                <a:spcPct val="0"/>
-              </a:spcBef>
-              <a:spcAft>
-                <a:spcPct val="0"/>
-              </a:spcAft>
-            </a:pPr>
-            <a:endParaRPr lang="en-SG" sz="1200" dirty="0">
-              <a:solidFill>
-                <a:schemeClr val="bg1"/>
-              </a:solidFill>
-              <a:latin typeface="Helvetica" panose="020B0604020202020204" pitchFamily="34" charset="0"/>
-            </a:endParaRPr>
-          </a:p>
-          <a:p>
-            <a:pPr eaLnBrk="0" fontAlgn="base" hangingPunct="0">
-              <a:spcBef>
-                <a:spcPct val="0"/>
-              </a:spcBef>
-              <a:spcAft>
-                <a:spcPct val="0"/>
-              </a:spcAft>
-            </a:pPr>
-            <a:r>
-              <a:rPr lang="en-SG" sz="1200" b="1" dirty="0">
-                <a:solidFill>
-                  <a:schemeClr val="bg1"/>
-                </a:solidFill>
-                <a:latin typeface="Helvetica" panose="020B0604020202020204" pitchFamily="34" charset="0"/>
-              </a:rPr>
-              <a:t>For optimum results:</a:t>
-            </a:r>
-          </a:p>
-          <a:p>
-            <a:pPr marL="342900" lvl="0" indent="-342900">
-              <a:lnSpc>
-                <a:spcPct val="100000"/>
-              </a:lnSpc>
-              <a:buFont typeface="+mj-lt"/>
-              <a:buAutoNum type="arabicPeriod"/>
-            </a:pPr>
-            <a:r>
-              <a:rPr lang="en-US" altLang="en-US" sz="1200" dirty="0">
-                <a:solidFill>
-                  <a:schemeClr val="bg1"/>
-                </a:solidFill>
-                <a:latin typeface="Helvetica" panose="020B0604020202020204" pitchFamily="34" charset="0"/>
-              </a:rPr>
-              <a:t>Activation = logistic</a:t>
-            </a:r>
-          </a:p>
-          <a:p>
-            <a:pPr marL="342900" lvl="0" indent="-342900">
-              <a:lnSpc>
-                <a:spcPct val="100000"/>
-              </a:lnSpc>
-              <a:buFont typeface="+mj-lt"/>
-              <a:buAutoNum type="arabicPeriod"/>
-            </a:pPr>
-            <a:r>
-              <a:rPr lang="en-US" altLang="en-US" sz="1200" dirty="0">
-                <a:solidFill>
-                  <a:schemeClr val="bg1"/>
-                </a:solidFill>
-                <a:latin typeface="Helvetica" panose="020B0604020202020204" pitchFamily="34" charset="0"/>
-              </a:rPr>
-              <a:t>Alpha = 0.99</a:t>
-            </a:r>
-          </a:p>
-          <a:p>
-            <a:pPr marL="342900" lvl="0" indent="-342900">
-              <a:lnSpc>
-                <a:spcPct val="100000"/>
-              </a:lnSpc>
-              <a:buFont typeface="+mj-lt"/>
-              <a:buAutoNum type="arabicPeriod"/>
-            </a:pPr>
-            <a:r>
-              <a:rPr lang="en-US" altLang="en-US" sz="1200" dirty="0">
-                <a:solidFill>
-                  <a:schemeClr val="bg1"/>
-                </a:solidFill>
-                <a:latin typeface="Helvetica" panose="020B0604020202020204" pitchFamily="34" charset="0"/>
-              </a:rPr>
-              <a:t>Neurons = 29</a:t>
-            </a:r>
-          </a:p>
-          <a:p>
-            <a:pPr marL="342900" lvl="0" indent="-342900">
-              <a:lnSpc>
-                <a:spcPct val="100000"/>
-              </a:lnSpc>
-              <a:buFont typeface="+mj-lt"/>
-              <a:buAutoNum type="arabicPeriod"/>
-            </a:pPr>
-            <a:r>
-              <a:rPr lang="en-US" altLang="en-US" sz="1200" dirty="0">
-                <a:solidFill>
-                  <a:schemeClr val="bg1"/>
-                </a:solidFill>
-                <a:latin typeface="Helvetica" panose="020B0604020202020204" pitchFamily="34" charset="0"/>
-              </a:rPr>
-              <a:t>Learning rate = constant</a:t>
-            </a:r>
-          </a:p>
-          <a:p>
-            <a:pPr marL="342900" lvl="0" indent="-342900">
-              <a:lnSpc>
-                <a:spcPct val="100000"/>
-              </a:lnSpc>
-              <a:buFont typeface="+mj-lt"/>
-              <a:buAutoNum type="arabicPeriod"/>
-            </a:pPr>
-            <a:r>
-              <a:rPr lang="en-US" altLang="en-US" sz="1200" dirty="0">
-                <a:solidFill>
-                  <a:schemeClr val="bg1"/>
-                </a:solidFill>
-                <a:latin typeface="Helvetica" panose="020B0604020202020204" pitchFamily="34" charset="0"/>
-              </a:rPr>
-              <a:t>Initial = 0.40</a:t>
-            </a:r>
-          </a:p>
-          <a:p>
-            <a:pPr marL="342900" lvl="0" indent="-342900">
-              <a:lnSpc>
-                <a:spcPct val="100000"/>
-              </a:lnSpc>
-              <a:buFont typeface="+mj-lt"/>
-              <a:buAutoNum type="arabicPeriod"/>
-            </a:pPr>
-            <a:r>
-              <a:rPr lang="en-US" altLang="en-US" sz="1200" dirty="0">
-                <a:solidFill>
-                  <a:schemeClr val="bg1"/>
-                </a:solidFill>
-                <a:latin typeface="Helvetica" panose="020B0604020202020204" pitchFamily="34" charset="0"/>
-              </a:rPr>
-              <a:t>Exponent = 0.99</a:t>
-            </a:r>
-          </a:p>
-          <a:p>
-            <a:pPr marL="342900" lvl="0" indent="-342900">
-              <a:lnSpc>
-                <a:spcPct val="100000"/>
-              </a:lnSpc>
-              <a:buFont typeface="+mj-lt"/>
-              <a:buAutoNum type="arabicPeriod"/>
-            </a:pPr>
-            <a:r>
-              <a:rPr lang="en-US" altLang="en-US" sz="1200" dirty="0">
-                <a:solidFill>
-                  <a:schemeClr val="bg1"/>
-                </a:solidFill>
-                <a:latin typeface="Helvetica" panose="020B0604020202020204" pitchFamily="34" charset="0"/>
-              </a:rPr>
-              <a:t>Solver = </a:t>
-            </a:r>
-            <a:r>
-              <a:rPr lang="en-US" altLang="en-US" sz="1200" dirty="0" err="1">
-                <a:solidFill>
-                  <a:schemeClr val="bg1"/>
-                </a:solidFill>
-                <a:latin typeface="Helvetica" panose="020B0604020202020204" pitchFamily="34" charset="0"/>
-              </a:rPr>
-              <a:t>lbfgs</a:t>
-            </a:r>
-            <a:endParaRPr lang="en-US" altLang="en-US" sz="1200" dirty="0">
-              <a:solidFill>
-                <a:schemeClr val="bg1"/>
-              </a:solidFill>
-              <a:latin typeface="Helvetica" panose="020B0604020202020204" pitchFamily="34" charset="0"/>
-            </a:endParaRPr>
+              <a:t>.</a:t>
+            </a:r>
           </a:p>
         </p:txBody>
       </p:sp>
@@ -13160,7 +13735,7 @@
     </p:spTree>
     <p:extLst>
       <p:ext uri="{BB962C8B-B14F-4D97-AF65-F5344CB8AC3E}">
-        <p14:creationId xmlns:p14="http://schemas.microsoft.com/office/powerpoint/2010/main" val="3206698170"/>
+        <p14:creationId xmlns:p14="http://schemas.microsoft.com/office/powerpoint/2010/main" val="4162266047"/>
       </p:ext>
     </p:extLst>
   </p:cSld>

--- a/Troubleshooting Chip Failures with Hybrid Classification System_with MLP slide added.pptx
+++ b/Troubleshooting Chip Failures with Hybrid Classification System_with MLP slide added.pptx
@@ -4381,7 +4381,7 @@
                 </a:solidFill>
                 <a:latin typeface="Helvetica" panose="020B0604020202020204" pitchFamily="34" charset="0"/>
               </a:rPr>
-              <a:t>The best accuracy was obtained by setting the hyperparameter values to:</a:t>
+              <a:t>The best accuracy (0.95) was obtained by setting the hyperparameter values to:</a:t>
             </a:r>
           </a:p>
           <a:p>
@@ -4729,16 +4729,6 @@
               </a:rPr>
               <a:t>Column Short Type 3</a:t>
             </a:r>
-          </a:p>
-          <a:p>
-            <a:pPr eaLnBrk="0" fontAlgn="base" hangingPunct="0">
-              <a:spcBef>
-                <a:spcPct val="0"/>
-              </a:spcBef>
-              <a:spcAft>
-                <a:spcPct val="0"/>
-              </a:spcAft>
-            </a:pPr>
             <a:endParaRPr lang="en-SG" sz="1200" dirty="0">
               <a:solidFill>
                 <a:schemeClr val="bg1"/>
